--- a/Notebooks/English/05 - Active Directory/19 - Use roles to control resource access - Learn  Microsoft Docs.pptx
+++ b/Notebooks/English/05 - Active Directory/19 - Use roles to control resource access - Learn  Microsoft Docs.pptx
@@ -1,20 +1,29 @@
 
 <file path=ppt/presentation.xml><?xml version="1.0" encoding="utf-8"?>
-<p:presentation xmlns:a="http://schemas.openxmlformats.org/drawingml/2006/main" xmlns:r="http://schemas.openxmlformats.org/officeDocument/2006/relationships" xmlns:p="http://schemas.openxmlformats.org/presentationml/2006/main" saveSubsetFonts="1" autoCompressPictures="0">
+<p:presentation xmlns:a="http://schemas.openxmlformats.org/drawingml/2006/main" xmlns:p="http://schemas.openxmlformats.org/presentationml/2006/main" xmlns:r="http://schemas.openxmlformats.org/officeDocument/2006/relationships" autoCompressPictures="0" saveSubsetFonts="1">
   <p:sldMasterIdLst>
     <p:sldMasterId id="2147483648" r:id="rId1"/>
   </p:sldMasterIdLst>
   <p:sldIdLst>
-    <p:sldId id="256" r:id="rId7"/>
+    <p:sldId id="256" r:id="rId2"/>
+    <p:sldId id="257" r:id="rId3"/>
+    <p:sldId id="258" r:id="rId4"/>
+    <p:sldId id="259" r:id="rId5"/>
+    <p:sldId id="260" r:id="rId6"/>
+    <p:sldId id="261" r:id="rId7"/>
+    <p:sldId id="262" r:id="rId8"/>
+    <p:sldId id="263" r:id="rId9"/>
+    <p:sldId id="264" r:id="rId10"/>
+    <p:sldId id="265" r:id="rId11"/>
   </p:sldIdLst>
-  <p:sldSz cx="9144000" cy="6858000" type="screen4x3"/>
+  <p:sldSz cx="9144000" cy="5143500" type="screen16x9"/>
   <p:notesSz cx="6858000" cy="9144000"/>
   <p:defaultTextStyle>
     <a:defPPr>
       <a:defRPr lang="en-US"/>
     </a:defPPr>
-    <a:lvl1pPr marL="0" algn="l" defTabSz="457200" rtl="0" eaLnBrk="1" latinLnBrk="0" hangingPunct="1">
-      <a:defRPr sz="1800" kern="1200">
+    <a:lvl1pPr algn="l" defTabSz="457200" eaLnBrk="1" hangingPunct="1" latinLnBrk="0" marL="0" rtl="0">
+      <a:defRPr kern="1200" sz="1800">
         <a:solidFill>
           <a:schemeClr val="tx1"/>
         </a:solidFill>
@@ -23,8 +32,8 @@
         <a:cs typeface="+mn-cs"/>
       </a:defRPr>
     </a:lvl1pPr>
-    <a:lvl2pPr marL="457200" algn="l" defTabSz="457200" rtl="0" eaLnBrk="1" latinLnBrk="0" hangingPunct="1">
-      <a:defRPr sz="1800" kern="1200">
+    <a:lvl2pPr algn="l" defTabSz="457200" eaLnBrk="1" hangingPunct="1" latinLnBrk="0" marL="457200" rtl="0">
+      <a:defRPr kern="1200" sz="1800">
         <a:solidFill>
           <a:schemeClr val="tx1"/>
         </a:solidFill>
@@ -33,8 +42,8 @@
         <a:cs typeface="+mn-cs"/>
       </a:defRPr>
     </a:lvl2pPr>
-    <a:lvl3pPr marL="914400" algn="l" defTabSz="457200" rtl="0" eaLnBrk="1" latinLnBrk="0" hangingPunct="1">
-      <a:defRPr sz="1800" kern="1200">
+    <a:lvl3pPr algn="l" defTabSz="457200" eaLnBrk="1" hangingPunct="1" latinLnBrk="0" marL="914400" rtl="0">
+      <a:defRPr kern="1200" sz="1800">
         <a:solidFill>
           <a:schemeClr val="tx1"/>
         </a:solidFill>
@@ -43,8 +52,8 @@
         <a:cs typeface="+mn-cs"/>
       </a:defRPr>
     </a:lvl3pPr>
-    <a:lvl4pPr marL="1371600" algn="l" defTabSz="457200" rtl="0" eaLnBrk="1" latinLnBrk="0" hangingPunct="1">
-      <a:defRPr sz="1800" kern="1200">
+    <a:lvl4pPr algn="l" defTabSz="457200" eaLnBrk="1" hangingPunct="1" latinLnBrk="0" marL="1371600" rtl="0">
+      <a:defRPr kern="1200" sz="1800">
         <a:solidFill>
           <a:schemeClr val="tx1"/>
         </a:solidFill>
@@ -53,8 +62,8 @@
         <a:cs typeface="+mn-cs"/>
       </a:defRPr>
     </a:lvl4pPr>
-    <a:lvl5pPr marL="1828800" algn="l" defTabSz="457200" rtl="0" eaLnBrk="1" latinLnBrk="0" hangingPunct="1">
-      <a:defRPr sz="1800" kern="1200">
+    <a:lvl5pPr algn="l" defTabSz="457200" eaLnBrk="1" hangingPunct="1" latinLnBrk="0" marL="1828800" rtl="0">
+      <a:defRPr kern="1200" sz="1800">
         <a:solidFill>
           <a:schemeClr val="tx1"/>
         </a:solidFill>
@@ -63,8 +72,8 @@
         <a:cs typeface="+mn-cs"/>
       </a:defRPr>
     </a:lvl5pPr>
-    <a:lvl6pPr marL="2286000" algn="l" defTabSz="457200" rtl="0" eaLnBrk="1" latinLnBrk="0" hangingPunct="1">
-      <a:defRPr sz="1800" kern="1200">
+    <a:lvl6pPr algn="l" defTabSz="457200" eaLnBrk="1" hangingPunct="1" latinLnBrk="0" marL="2286000" rtl="0">
+      <a:defRPr kern="1200" sz="1800">
         <a:solidFill>
           <a:schemeClr val="tx1"/>
         </a:solidFill>
@@ -73,8 +82,8 @@
         <a:cs typeface="+mn-cs"/>
       </a:defRPr>
     </a:lvl6pPr>
-    <a:lvl7pPr marL="2743200" algn="l" defTabSz="457200" rtl="0" eaLnBrk="1" latinLnBrk="0" hangingPunct="1">
-      <a:defRPr sz="1800" kern="1200">
+    <a:lvl7pPr algn="l" defTabSz="457200" eaLnBrk="1" hangingPunct="1" latinLnBrk="0" marL="2743200" rtl="0">
+      <a:defRPr kern="1200" sz="1800">
         <a:solidFill>
           <a:schemeClr val="tx1"/>
         </a:solidFill>
@@ -83,8 +92,8 @@
         <a:cs typeface="+mn-cs"/>
       </a:defRPr>
     </a:lvl7pPr>
-    <a:lvl8pPr marL="3200400" algn="l" defTabSz="457200" rtl="0" eaLnBrk="1" latinLnBrk="0" hangingPunct="1">
-      <a:defRPr sz="1800" kern="1200">
+    <a:lvl8pPr algn="l" defTabSz="457200" eaLnBrk="1" hangingPunct="1" latinLnBrk="0" marL="3200400" rtl="0">
+      <a:defRPr kern="1200" sz="1800">
         <a:solidFill>
           <a:schemeClr val="tx1"/>
         </a:solidFill>
@@ -93,8 +102,8 @@
         <a:cs typeface="+mn-cs"/>
       </a:defRPr>
     </a:lvl8pPr>
-    <a:lvl9pPr marL="3657600" algn="l" defTabSz="457200" rtl="0" eaLnBrk="1" latinLnBrk="0" hangingPunct="1">
-      <a:defRPr sz="1800" kern="1200">
+    <a:lvl9pPr algn="l" defTabSz="457200" eaLnBrk="1" hangingPunct="1" latinLnBrk="0" marL="3657600" rtl="0">
+      <a:defRPr kern="1200" sz="1800">
         <a:solidFill>
           <a:schemeClr val="tx1"/>
         </a:solidFill>
@@ -104,6 +113,22 @@
       </a:defRPr>
     </a:lvl9pPr>
   </p:defaultTextStyle>
+  <p:extLst>
+    <p:ext uri="{EFAFB233-063F-42B5-8137-9DF3F51BA10A}">
+      <p15:sldGuideLst xmlns:p15="http://schemas.microsoft.com/office/powerpoint/2012/main">
+        <p15:guide id="1" orient="horz" pos="1620" userDrawn="1">
+          <p15:clr>
+            <a:srgbClr val="A4A3A4"/>
+          </p15:clr>
+        </p15:guide>
+        <p15:guide id="2" pos="2880" userDrawn="1">
+          <p15:clr>
+            <a:srgbClr val="A4A3A4"/>
+          </p15:clr>
+        </p15:guide>
+      </p15:sldGuideLst>
+    </p:ext>
+  </p:extLst>
 </p:presentation>
 </file>
 
@@ -136,8 +161,8 @@
         </p:nvSpPr>
         <p:spPr>
           <a:xfrm>
-            <a:off x="685800" y="2130425"/>
-            <a:ext cx="7772400" cy="1470025"/>
+            <a:off x="685800" y="1597819"/>
+            <a:ext cx="7772400" cy="1102519"/>
           </a:xfrm>
         </p:spPr>
         <p:txBody>
@@ -145,10 +170,9 @@
           <a:lstStyle/>
           <a:p>
             <a:r>
-              <a:rPr lang="en-US" smtClean="0"/>
+              <a:rPr lang="en-US"/>
               <a:t>Click to edit Master title style</a:t>
             </a:r>
-            <a:endParaRPr lang="en-US"/>
           </a:p>
         </p:txBody>
       </p:sp>
@@ -164,8 +188,8 @@
         </p:nvSpPr>
         <p:spPr>
           <a:xfrm>
-            <a:off x="1371600" y="3886200"/>
-            <a:ext cx="6400800" cy="1752600"/>
+            <a:off x="1371600" y="2914650"/>
+            <a:ext cx="6400800" cy="1314450"/>
           </a:xfrm>
         </p:spPr>
         <p:txBody>
@@ -181,7 +205,7 @@
                 </a:solidFill>
               </a:defRPr>
             </a:lvl1pPr>
-            <a:lvl2pPr marL="457200" indent="0" algn="ctr">
+            <a:lvl2pPr marL="342900" indent="0" algn="ctr">
               <a:buNone/>
               <a:defRPr>
                 <a:solidFill>
@@ -191,7 +215,7 @@
                 </a:solidFill>
               </a:defRPr>
             </a:lvl2pPr>
-            <a:lvl3pPr marL="914400" indent="0" algn="ctr">
+            <a:lvl3pPr marL="685800" indent="0" algn="ctr">
               <a:buNone/>
               <a:defRPr>
                 <a:solidFill>
@@ -201,7 +225,7 @@
                 </a:solidFill>
               </a:defRPr>
             </a:lvl3pPr>
-            <a:lvl4pPr marL="1371600" indent="0" algn="ctr">
+            <a:lvl4pPr marL="1028700" indent="0" algn="ctr">
               <a:buNone/>
               <a:defRPr>
                 <a:solidFill>
@@ -211,7 +235,7 @@
                 </a:solidFill>
               </a:defRPr>
             </a:lvl4pPr>
-            <a:lvl5pPr marL="1828800" indent="0" algn="ctr">
+            <a:lvl5pPr marL="1371600" indent="0" algn="ctr">
               <a:buNone/>
               <a:defRPr>
                 <a:solidFill>
@@ -221,7 +245,7 @@
                 </a:solidFill>
               </a:defRPr>
             </a:lvl5pPr>
-            <a:lvl6pPr marL="2286000" indent="0" algn="ctr">
+            <a:lvl6pPr marL="1714500" indent="0" algn="ctr">
               <a:buNone/>
               <a:defRPr>
                 <a:solidFill>
@@ -231,7 +255,7 @@
                 </a:solidFill>
               </a:defRPr>
             </a:lvl6pPr>
-            <a:lvl7pPr marL="2743200" indent="0" algn="ctr">
+            <a:lvl7pPr marL="2057400" indent="0" algn="ctr">
               <a:buNone/>
               <a:defRPr>
                 <a:solidFill>
@@ -241,7 +265,7 @@
                 </a:solidFill>
               </a:defRPr>
             </a:lvl7pPr>
-            <a:lvl8pPr marL="3200400" indent="0" algn="ctr">
+            <a:lvl8pPr marL="2400300" indent="0" algn="ctr">
               <a:buNone/>
               <a:defRPr>
                 <a:solidFill>
@@ -251,7 +275,7 @@
                 </a:solidFill>
               </a:defRPr>
             </a:lvl8pPr>
-            <a:lvl9pPr marL="3657600" indent="0" algn="ctr">
+            <a:lvl9pPr marL="2743200" indent="0" algn="ctr">
               <a:buNone/>
               <a:defRPr>
                 <a:solidFill>
@@ -264,31 +288,30 @@
           </a:lstStyle>
           <a:p>
             <a:r>
+              <a:rPr lang="en-US"/>
+              <a:t>Click to edit Master subtitle style</a:t>
+            </a:r>
+          </a:p>
+        </p:txBody>
+      </p:sp>
+      <p:sp>
+        <p:nvSpPr>
+          <p:cNvPr id="4" name="Date Placeholder 3"/>
+          <p:cNvSpPr>
+            <a:spLocks noGrp="1"/>
+          </p:cNvSpPr>
+          <p:nvPr>
+            <p:ph type="dt" sz="half" idx="10"/>
+          </p:nvPr>
+        </p:nvSpPr>
+        <p:spPr/>
+        <p:txBody>
+          <a:bodyPr/>
+          <a:lstStyle/>
+          <a:p>
+            <a:fld id="{241EB5C9-1307-BA42-ABA2-0BC069CD8E7F}" type="datetimeFigureOut">
               <a:rPr lang="en-US" smtClean="0"/>
-              <a:t>Click to edit Master subtitle style</a:t>
-            </a:r>
-            <a:endParaRPr lang="en-US"/>
-          </a:p>
-        </p:txBody>
-      </p:sp>
-      <p:sp>
-        <p:nvSpPr>
-          <p:cNvPr id="4" name="Date Placeholder 3"/>
-          <p:cNvSpPr>
-            <a:spLocks noGrp="1"/>
-          </p:cNvSpPr>
-          <p:nvPr>
-            <p:ph type="dt" sz="half" idx="10"/>
-          </p:nvPr>
-        </p:nvSpPr>
-        <p:spPr/>
-        <p:txBody>
-          <a:bodyPr/>
-          <a:lstStyle/>
-          <a:p>
-            <a:fld id="{5BCAD085-E8A6-8845-BD4E-CB4CCA059FC4}" type="datetimeFigureOut">
-              <a:rPr lang="en-US" smtClean="0"/>
-              <a:t>1/27/13</a:t>
+              <a:t>1/2/22</a:t>
             </a:fld>
             <a:endParaRPr lang="en-US"/>
           </a:p>
@@ -328,7 +351,7 @@
           <a:bodyPr/>
           <a:lstStyle/>
           <a:p>
-            <a:fld id="{C1FF6DA9-008F-8B48-92A6-B652298478BF}" type="slidenum">
+            <a:fld id="{C5EF2332-01BF-834F-8236-50238282D533}" type="slidenum">
               <a:rPr lang="en-US" smtClean="0"/>
               <a:t>‹#›</a:t>
             </a:fld>
@@ -339,7 +362,7 @@
     </p:spTree>
     <p:extLst>
       <p:ext uri="{BB962C8B-B14F-4D97-AF65-F5344CB8AC3E}">
-        <p14:creationId xmlns:p14="http://schemas.microsoft.com/office/powerpoint/2010/main" val="3168075583"/>
+        <p14:creationId xmlns:p14="http://schemas.microsoft.com/office/powerpoint/2010/main" val="1444357513"/>
       </p:ext>
     </p:extLst>
   </p:cSld>
@@ -382,10 +405,9 @@
           <a:lstStyle/>
           <a:p>
             <a:r>
-              <a:rPr lang="en-US" smtClean="0"/>
+              <a:rPr lang="en-US"/>
               <a:t>Click to edit Master title style</a:t>
             </a:r>
-            <a:endParaRPr lang="en-US"/>
           </a:p>
         </p:txBody>
       </p:sp>
@@ -406,59 +428,58 @@
           <a:p>
             <a:pPr lvl="0"/>
             <a:r>
+              <a:rPr lang="en-US"/>
+              <a:t>Click to edit Master text styles</a:t>
+            </a:r>
+          </a:p>
+          <a:p>
+            <a:pPr lvl="1"/>
+            <a:r>
+              <a:rPr lang="en-US"/>
+              <a:t>Second level</a:t>
+            </a:r>
+          </a:p>
+          <a:p>
+            <a:pPr lvl="2"/>
+            <a:r>
+              <a:rPr lang="en-US"/>
+              <a:t>Third level</a:t>
+            </a:r>
+          </a:p>
+          <a:p>
+            <a:pPr lvl="3"/>
+            <a:r>
+              <a:rPr lang="en-US"/>
+              <a:t>Fourth level</a:t>
+            </a:r>
+          </a:p>
+          <a:p>
+            <a:pPr lvl="4"/>
+            <a:r>
+              <a:rPr lang="en-US"/>
+              <a:t>Fifth level</a:t>
+            </a:r>
+          </a:p>
+        </p:txBody>
+      </p:sp>
+      <p:sp>
+        <p:nvSpPr>
+          <p:cNvPr id="4" name="Date Placeholder 3"/>
+          <p:cNvSpPr>
+            <a:spLocks noGrp="1"/>
+          </p:cNvSpPr>
+          <p:nvPr>
+            <p:ph type="dt" sz="half" idx="10"/>
+          </p:nvPr>
+        </p:nvSpPr>
+        <p:spPr/>
+        <p:txBody>
+          <a:bodyPr/>
+          <a:lstStyle/>
+          <a:p>
+            <a:fld id="{241EB5C9-1307-BA42-ABA2-0BC069CD8E7F}" type="datetimeFigureOut">
               <a:rPr lang="en-US" smtClean="0"/>
-              <a:t>Click to edit Master text styles</a:t>
-            </a:r>
-          </a:p>
-          <a:p>
-            <a:pPr lvl="1"/>
-            <a:r>
-              <a:rPr lang="en-US" smtClean="0"/>
-              <a:t>Second level</a:t>
-            </a:r>
-          </a:p>
-          <a:p>
-            <a:pPr lvl="2"/>
-            <a:r>
-              <a:rPr lang="en-US" smtClean="0"/>
-              <a:t>Third level</a:t>
-            </a:r>
-          </a:p>
-          <a:p>
-            <a:pPr lvl="3"/>
-            <a:r>
-              <a:rPr lang="en-US" smtClean="0"/>
-              <a:t>Fourth level</a:t>
-            </a:r>
-          </a:p>
-          <a:p>
-            <a:pPr lvl="4"/>
-            <a:r>
-              <a:rPr lang="en-US" smtClean="0"/>
-              <a:t>Fifth level</a:t>
-            </a:r>
-            <a:endParaRPr lang="en-US"/>
-          </a:p>
-        </p:txBody>
-      </p:sp>
-      <p:sp>
-        <p:nvSpPr>
-          <p:cNvPr id="4" name="Date Placeholder 3"/>
-          <p:cNvSpPr>
-            <a:spLocks noGrp="1"/>
-          </p:cNvSpPr>
-          <p:nvPr>
-            <p:ph type="dt" sz="half" idx="10"/>
-          </p:nvPr>
-        </p:nvSpPr>
-        <p:spPr/>
-        <p:txBody>
-          <a:bodyPr/>
-          <a:lstStyle/>
-          <a:p>
-            <a:fld id="{5BCAD085-E8A6-8845-BD4E-CB4CCA059FC4}" type="datetimeFigureOut">
-              <a:rPr lang="en-US" smtClean="0"/>
-              <a:t>1/27/13</a:t>
+              <a:t>1/2/22</a:t>
             </a:fld>
             <a:endParaRPr lang="en-US"/>
           </a:p>
@@ -498,7 +519,7 @@
           <a:bodyPr/>
           <a:lstStyle/>
           <a:p>
-            <a:fld id="{C1FF6DA9-008F-8B48-92A6-B652298478BF}" type="slidenum">
+            <a:fld id="{C5EF2332-01BF-834F-8236-50238282D533}" type="slidenum">
               <a:rPr lang="en-US" smtClean="0"/>
               <a:t>‹#›</a:t>
             </a:fld>
@@ -509,7 +530,7 @@
     </p:spTree>
     <p:extLst>
       <p:ext uri="{BB962C8B-B14F-4D97-AF65-F5344CB8AC3E}">
-        <p14:creationId xmlns:p14="http://schemas.microsoft.com/office/powerpoint/2010/main" val="2910927964"/>
+        <p14:creationId xmlns:p14="http://schemas.microsoft.com/office/powerpoint/2010/main" val="313914798"/>
       </p:ext>
     </p:extLst>
   </p:cSld>
@@ -548,8 +569,8 @@
         </p:nvSpPr>
         <p:spPr>
           <a:xfrm>
-            <a:off x="6629400" y="274638"/>
-            <a:ext cx="2057400" cy="5851525"/>
+            <a:off x="6629400" y="205979"/>
+            <a:ext cx="2057400" cy="4388644"/>
           </a:xfrm>
         </p:spPr>
         <p:txBody>
@@ -557,10 +578,9 @@
           <a:lstStyle/>
           <a:p>
             <a:r>
-              <a:rPr lang="en-US" smtClean="0"/>
+              <a:rPr lang="en-US"/>
               <a:t>Click to edit Master title style</a:t>
             </a:r>
-            <a:endParaRPr lang="en-US"/>
           </a:p>
         </p:txBody>
       </p:sp>
@@ -576,8 +596,8 @@
         </p:nvSpPr>
         <p:spPr>
           <a:xfrm>
-            <a:off x="457200" y="274638"/>
-            <a:ext cx="6019800" cy="5851525"/>
+            <a:off x="457200" y="205979"/>
+            <a:ext cx="6019800" cy="4388644"/>
           </a:xfrm>
         </p:spPr>
         <p:txBody>
@@ -586,59 +606,58 @@
           <a:p>
             <a:pPr lvl="0"/>
             <a:r>
+              <a:rPr lang="en-US"/>
+              <a:t>Click to edit Master text styles</a:t>
+            </a:r>
+          </a:p>
+          <a:p>
+            <a:pPr lvl="1"/>
+            <a:r>
+              <a:rPr lang="en-US"/>
+              <a:t>Second level</a:t>
+            </a:r>
+          </a:p>
+          <a:p>
+            <a:pPr lvl="2"/>
+            <a:r>
+              <a:rPr lang="en-US"/>
+              <a:t>Third level</a:t>
+            </a:r>
+          </a:p>
+          <a:p>
+            <a:pPr lvl="3"/>
+            <a:r>
+              <a:rPr lang="en-US"/>
+              <a:t>Fourth level</a:t>
+            </a:r>
+          </a:p>
+          <a:p>
+            <a:pPr lvl="4"/>
+            <a:r>
+              <a:rPr lang="en-US"/>
+              <a:t>Fifth level</a:t>
+            </a:r>
+          </a:p>
+        </p:txBody>
+      </p:sp>
+      <p:sp>
+        <p:nvSpPr>
+          <p:cNvPr id="4" name="Date Placeholder 3"/>
+          <p:cNvSpPr>
+            <a:spLocks noGrp="1"/>
+          </p:cNvSpPr>
+          <p:nvPr>
+            <p:ph type="dt" sz="half" idx="10"/>
+          </p:nvPr>
+        </p:nvSpPr>
+        <p:spPr/>
+        <p:txBody>
+          <a:bodyPr/>
+          <a:lstStyle/>
+          <a:p>
+            <a:fld id="{241EB5C9-1307-BA42-ABA2-0BC069CD8E7F}" type="datetimeFigureOut">
               <a:rPr lang="en-US" smtClean="0"/>
-              <a:t>Click to edit Master text styles</a:t>
-            </a:r>
-          </a:p>
-          <a:p>
-            <a:pPr lvl="1"/>
-            <a:r>
-              <a:rPr lang="en-US" smtClean="0"/>
-              <a:t>Second level</a:t>
-            </a:r>
-          </a:p>
-          <a:p>
-            <a:pPr lvl="2"/>
-            <a:r>
-              <a:rPr lang="en-US" smtClean="0"/>
-              <a:t>Third level</a:t>
-            </a:r>
-          </a:p>
-          <a:p>
-            <a:pPr lvl="3"/>
-            <a:r>
-              <a:rPr lang="en-US" smtClean="0"/>
-              <a:t>Fourth level</a:t>
-            </a:r>
-          </a:p>
-          <a:p>
-            <a:pPr lvl="4"/>
-            <a:r>
-              <a:rPr lang="en-US" smtClean="0"/>
-              <a:t>Fifth level</a:t>
-            </a:r>
-            <a:endParaRPr lang="en-US"/>
-          </a:p>
-        </p:txBody>
-      </p:sp>
-      <p:sp>
-        <p:nvSpPr>
-          <p:cNvPr id="4" name="Date Placeholder 3"/>
-          <p:cNvSpPr>
-            <a:spLocks noGrp="1"/>
-          </p:cNvSpPr>
-          <p:nvPr>
-            <p:ph type="dt" sz="half" idx="10"/>
-          </p:nvPr>
-        </p:nvSpPr>
-        <p:spPr/>
-        <p:txBody>
-          <a:bodyPr/>
-          <a:lstStyle/>
-          <a:p>
-            <a:fld id="{5BCAD085-E8A6-8845-BD4E-CB4CCA059FC4}" type="datetimeFigureOut">
-              <a:rPr lang="en-US" smtClean="0"/>
-              <a:t>1/27/13</a:t>
+              <a:t>1/2/22</a:t>
             </a:fld>
             <a:endParaRPr lang="en-US"/>
           </a:p>
@@ -678,7 +697,7 @@
           <a:bodyPr/>
           <a:lstStyle/>
           <a:p>
-            <a:fld id="{C1FF6DA9-008F-8B48-92A6-B652298478BF}" type="slidenum">
+            <a:fld id="{C5EF2332-01BF-834F-8236-50238282D533}" type="slidenum">
               <a:rPr lang="en-US" smtClean="0"/>
               <a:t>‹#›</a:t>
             </a:fld>
@@ -689,7 +708,7 @@
     </p:spTree>
     <p:extLst>
       <p:ext uri="{BB962C8B-B14F-4D97-AF65-F5344CB8AC3E}">
-        <p14:creationId xmlns:p14="http://schemas.microsoft.com/office/powerpoint/2010/main" val="3612223792"/>
+        <p14:creationId xmlns:p14="http://schemas.microsoft.com/office/powerpoint/2010/main" val="2581529045"/>
       </p:ext>
     </p:extLst>
   </p:cSld>
@@ -732,83 +751,81 @@
           <a:lstStyle/>
           <a:p>
             <a:r>
+              <a:rPr lang="en-US"/>
+              <a:t>Click to edit Master title style</a:t>
+            </a:r>
+          </a:p>
+        </p:txBody>
+      </p:sp>
+      <p:sp>
+        <p:nvSpPr>
+          <p:cNvPr id="3" name="Content Placeholder 2"/>
+          <p:cNvSpPr>
+            <a:spLocks noGrp="1"/>
+          </p:cNvSpPr>
+          <p:nvPr>
+            <p:ph idx="1"/>
+          </p:nvPr>
+        </p:nvSpPr>
+        <p:spPr/>
+        <p:txBody>
+          <a:bodyPr/>
+          <a:lstStyle/>
+          <a:p>
+            <a:pPr lvl="0"/>
+            <a:r>
+              <a:rPr lang="en-US"/>
+              <a:t>Click to edit Master text styles</a:t>
+            </a:r>
+          </a:p>
+          <a:p>
+            <a:pPr lvl="1"/>
+            <a:r>
+              <a:rPr lang="en-US"/>
+              <a:t>Second level</a:t>
+            </a:r>
+          </a:p>
+          <a:p>
+            <a:pPr lvl="2"/>
+            <a:r>
+              <a:rPr lang="en-US"/>
+              <a:t>Third level</a:t>
+            </a:r>
+          </a:p>
+          <a:p>
+            <a:pPr lvl="3"/>
+            <a:r>
+              <a:rPr lang="en-US"/>
+              <a:t>Fourth level</a:t>
+            </a:r>
+          </a:p>
+          <a:p>
+            <a:pPr lvl="4"/>
+            <a:r>
+              <a:rPr lang="en-US"/>
+              <a:t>Fifth level</a:t>
+            </a:r>
+          </a:p>
+        </p:txBody>
+      </p:sp>
+      <p:sp>
+        <p:nvSpPr>
+          <p:cNvPr id="4" name="Date Placeholder 3"/>
+          <p:cNvSpPr>
+            <a:spLocks noGrp="1"/>
+          </p:cNvSpPr>
+          <p:nvPr>
+            <p:ph type="dt" sz="half" idx="10"/>
+          </p:nvPr>
+        </p:nvSpPr>
+        <p:spPr/>
+        <p:txBody>
+          <a:bodyPr/>
+          <a:lstStyle/>
+          <a:p>
+            <a:fld id="{241EB5C9-1307-BA42-ABA2-0BC069CD8E7F}" type="datetimeFigureOut">
               <a:rPr lang="en-US" smtClean="0"/>
-              <a:t>Click to edit Master title style</a:t>
-            </a:r>
-            <a:endParaRPr lang="en-US"/>
-          </a:p>
-        </p:txBody>
-      </p:sp>
-      <p:sp>
-        <p:nvSpPr>
-          <p:cNvPr id="3" name="Content Placeholder 2"/>
-          <p:cNvSpPr>
-            <a:spLocks noGrp="1"/>
-          </p:cNvSpPr>
-          <p:nvPr>
-            <p:ph idx="1"/>
-          </p:nvPr>
-        </p:nvSpPr>
-        <p:spPr/>
-        <p:txBody>
-          <a:bodyPr/>
-          <a:lstStyle/>
-          <a:p>
-            <a:pPr lvl="0"/>
-            <a:r>
-              <a:rPr lang="en-US" smtClean="0"/>
-              <a:t>Click to edit Master text styles</a:t>
-            </a:r>
-          </a:p>
-          <a:p>
-            <a:pPr lvl="1"/>
-            <a:r>
-              <a:rPr lang="en-US" smtClean="0"/>
-              <a:t>Second level</a:t>
-            </a:r>
-          </a:p>
-          <a:p>
-            <a:pPr lvl="2"/>
-            <a:r>
-              <a:rPr lang="en-US" smtClean="0"/>
-              <a:t>Third level</a:t>
-            </a:r>
-          </a:p>
-          <a:p>
-            <a:pPr lvl="3"/>
-            <a:r>
-              <a:rPr lang="en-US" smtClean="0"/>
-              <a:t>Fourth level</a:t>
-            </a:r>
-          </a:p>
-          <a:p>
-            <a:pPr lvl="4"/>
-            <a:r>
-              <a:rPr lang="en-US" smtClean="0"/>
-              <a:t>Fifth level</a:t>
-            </a:r>
-            <a:endParaRPr lang="en-US"/>
-          </a:p>
-        </p:txBody>
-      </p:sp>
-      <p:sp>
-        <p:nvSpPr>
-          <p:cNvPr id="4" name="Date Placeholder 3"/>
-          <p:cNvSpPr>
-            <a:spLocks noGrp="1"/>
-          </p:cNvSpPr>
-          <p:nvPr>
-            <p:ph type="dt" sz="half" idx="10"/>
-          </p:nvPr>
-        </p:nvSpPr>
-        <p:spPr/>
-        <p:txBody>
-          <a:bodyPr/>
-          <a:lstStyle/>
-          <a:p>
-            <a:fld id="{5BCAD085-E8A6-8845-BD4E-CB4CCA059FC4}" type="datetimeFigureOut">
-              <a:rPr lang="en-US" smtClean="0"/>
-              <a:t>1/27/13</a:t>
+              <a:t>1/2/22</a:t>
             </a:fld>
             <a:endParaRPr lang="en-US"/>
           </a:p>
@@ -848,7 +865,7 @@
           <a:bodyPr/>
           <a:lstStyle/>
           <a:p>
-            <a:fld id="{C1FF6DA9-008F-8B48-92A6-B652298478BF}" type="slidenum">
+            <a:fld id="{C5EF2332-01BF-834F-8236-50238282D533}" type="slidenum">
               <a:rPr lang="en-US" smtClean="0"/>
               <a:t>‹#›</a:t>
             </a:fld>
@@ -859,7 +876,7 @@
     </p:spTree>
     <p:extLst>
       <p:ext uri="{BB962C8B-B14F-4D97-AF65-F5344CB8AC3E}">
-        <p14:creationId xmlns:p14="http://schemas.microsoft.com/office/powerpoint/2010/main" val="2614314258"/>
+        <p14:creationId xmlns:p14="http://schemas.microsoft.com/office/powerpoint/2010/main" val="338346009"/>
       </p:ext>
     </p:extLst>
   </p:cSld>
@@ -898,23 +915,22 @@
         </p:nvSpPr>
         <p:spPr>
           <a:xfrm>
-            <a:off x="722313" y="4406900"/>
-            <a:ext cx="7772400" cy="1362075"/>
+            <a:off x="722313" y="3305176"/>
+            <a:ext cx="7772400" cy="1021556"/>
           </a:xfrm>
         </p:spPr>
         <p:txBody>
           <a:bodyPr anchor="t"/>
           <a:lstStyle>
             <a:lvl1pPr algn="l">
-              <a:defRPr sz="4000" b="1" cap="all"/>
+              <a:defRPr sz="3000" b="1" cap="all"/>
             </a:lvl1pPr>
           </a:lstStyle>
           <a:p>
             <a:r>
-              <a:rPr lang="en-US" smtClean="0"/>
+              <a:rPr lang="en-US"/>
               <a:t>Click to edit Master title style</a:t>
             </a:r>
-            <a:endParaRPr lang="en-US"/>
           </a:p>
         </p:txBody>
       </p:sp>
@@ -930,8 +946,8 @@
         </p:nvSpPr>
         <p:spPr>
           <a:xfrm>
-            <a:off x="722313" y="2906713"/>
-            <a:ext cx="7772400" cy="1500187"/>
+            <a:off x="722313" y="2180035"/>
+            <a:ext cx="7772400" cy="1125140"/>
           </a:xfrm>
         </p:spPr>
         <p:txBody>
@@ -939,7 +955,7 @@
           <a:lstStyle>
             <a:lvl1pPr marL="0" indent="0">
               <a:buNone/>
-              <a:defRPr sz="2000">
+              <a:defRPr sz="1500">
                 <a:solidFill>
                   <a:schemeClr val="tx1">
                     <a:tint val="75000"/>
@@ -947,9 +963,9 @@
                 </a:solidFill>
               </a:defRPr>
             </a:lvl1pPr>
-            <a:lvl2pPr marL="457200" indent="0">
-              <a:buNone/>
-              <a:defRPr sz="1800">
+            <a:lvl2pPr marL="342900" indent="0">
+              <a:buNone/>
+              <a:defRPr sz="1350">
                 <a:solidFill>
                   <a:schemeClr val="tx1">
                     <a:tint val="75000"/>
@@ -957,9 +973,9 @@
                 </a:solidFill>
               </a:defRPr>
             </a:lvl2pPr>
-            <a:lvl3pPr marL="914400" indent="0">
-              <a:buNone/>
-              <a:defRPr sz="1600">
+            <a:lvl3pPr marL="685800" indent="0">
+              <a:buNone/>
+              <a:defRPr sz="1200">
                 <a:solidFill>
                   <a:schemeClr val="tx1">
                     <a:tint val="75000"/>
@@ -967,9 +983,9 @@
                 </a:solidFill>
               </a:defRPr>
             </a:lvl3pPr>
-            <a:lvl4pPr marL="1371600" indent="0">
-              <a:buNone/>
-              <a:defRPr sz="1400">
+            <a:lvl4pPr marL="1028700" indent="0">
+              <a:buNone/>
+              <a:defRPr sz="1050">
                 <a:solidFill>
                   <a:schemeClr val="tx1">
                     <a:tint val="75000"/>
@@ -977,9 +993,9 @@
                 </a:solidFill>
               </a:defRPr>
             </a:lvl4pPr>
-            <a:lvl5pPr marL="1828800" indent="0">
-              <a:buNone/>
-              <a:defRPr sz="1400">
+            <a:lvl5pPr marL="1371600" indent="0">
+              <a:buNone/>
+              <a:defRPr sz="1050">
                 <a:solidFill>
                   <a:schemeClr val="tx1">
                     <a:tint val="75000"/>
@@ -987,9 +1003,9 @@
                 </a:solidFill>
               </a:defRPr>
             </a:lvl5pPr>
-            <a:lvl6pPr marL="2286000" indent="0">
-              <a:buNone/>
-              <a:defRPr sz="1400">
+            <a:lvl6pPr marL="1714500" indent="0">
+              <a:buNone/>
+              <a:defRPr sz="1050">
                 <a:solidFill>
                   <a:schemeClr val="tx1">
                     <a:tint val="75000"/>
@@ -997,9 +1013,9 @@
                 </a:solidFill>
               </a:defRPr>
             </a:lvl6pPr>
-            <a:lvl7pPr marL="2743200" indent="0">
-              <a:buNone/>
-              <a:defRPr sz="1400">
+            <a:lvl7pPr marL="2057400" indent="0">
+              <a:buNone/>
+              <a:defRPr sz="1050">
                 <a:solidFill>
                   <a:schemeClr val="tx1">
                     <a:tint val="75000"/>
@@ -1007,9 +1023,9 @@
                 </a:solidFill>
               </a:defRPr>
             </a:lvl7pPr>
-            <a:lvl8pPr marL="3200400" indent="0">
-              <a:buNone/>
-              <a:defRPr sz="1400">
+            <a:lvl8pPr marL="2400300" indent="0">
+              <a:buNone/>
+              <a:defRPr sz="1050">
                 <a:solidFill>
                   <a:schemeClr val="tx1">
                     <a:tint val="75000"/>
@@ -1017,9 +1033,9 @@
                 </a:solidFill>
               </a:defRPr>
             </a:lvl8pPr>
-            <a:lvl9pPr marL="3657600" indent="0">
-              <a:buNone/>
-              <a:defRPr sz="1400">
+            <a:lvl9pPr marL="2743200" indent="0">
+              <a:buNone/>
+              <a:defRPr sz="1050">
                 <a:solidFill>
                   <a:schemeClr val="tx1">
                     <a:tint val="75000"/>
@@ -1031,30 +1047,30 @@
           <a:p>
             <a:pPr lvl="0"/>
             <a:r>
+              <a:rPr lang="en-US"/>
+              <a:t>Click to edit Master text styles</a:t>
+            </a:r>
+          </a:p>
+        </p:txBody>
+      </p:sp>
+      <p:sp>
+        <p:nvSpPr>
+          <p:cNvPr id="4" name="Date Placeholder 3"/>
+          <p:cNvSpPr>
+            <a:spLocks noGrp="1"/>
+          </p:cNvSpPr>
+          <p:nvPr>
+            <p:ph type="dt" sz="half" idx="10"/>
+          </p:nvPr>
+        </p:nvSpPr>
+        <p:spPr/>
+        <p:txBody>
+          <a:bodyPr/>
+          <a:lstStyle/>
+          <a:p>
+            <a:fld id="{241EB5C9-1307-BA42-ABA2-0BC069CD8E7F}" type="datetimeFigureOut">
               <a:rPr lang="en-US" smtClean="0"/>
-              <a:t>Click to edit Master text styles</a:t>
-            </a:r>
-          </a:p>
-        </p:txBody>
-      </p:sp>
-      <p:sp>
-        <p:nvSpPr>
-          <p:cNvPr id="4" name="Date Placeholder 3"/>
-          <p:cNvSpPr>
-            <a:spLocks noGrp="1"/>
-          </p:cNvSpPr>
-          <p:nvPr>
-            <p:ph type="dt" sz="half" idx="10"/>
-          </p:nvPr>
-        </p:nvSpPr>
-        <p:spPr/>
-        <p:txBody>
-          <a:bodyPr/>
-          <a:lstStyle/>
-          <a:p>
-            <a:fld id="{5BCAD085-E8A6-8845-BD4E-CB4CCA059FC4}" type="datetimeFigureOut">
-              <a:rPr lang="en-US" smtClean="0"/>
-              <a:t>1/27/13</a:t>
+              <a:t>1/2/22</a:t>
             </a:fld>
             <a:endParaRPr lang="en-US"/>
           </a:p>
@@ -1094,7 +1110,7 @@
           <a:bodyPr/>
           <a:lstStyle/>
           <a:p>
-            <a:fld id="{C1FF6DA9-008F-8B48-92A6-B652298478BF}" type="slidenum">
+            <a:fld id="{C5EF2332-01BF-834F-8236-50238282D533}" type="slidenum">
               <a:rPr lang="en-US" smtClean="0"/>
               <a:t>‹#›</a:t>
             </a:fld>
@@ -1105,7 +1121,7 @@
     </p:spTree>
     <p:extLst>
       <p:ext uri="{BB962C8B-B14F-4D97-AF65-F5344CB8AC3E}">
-        <p14:creationId xmlns:p14="http://schemas.microsoft.com/office/powerpoint/2010/main" val="960648375"/>
+        <p14:creationId xmlns:p14="http://schemas.microsoft.com/office/powerpoint/2010/main" val="1073069076"/>
       </p:ext>
     </p:extLst>
   </p:cSld>
@@ -1148,10 +1164,9 @@
           <a:lstStyle/>
           <a:p>
             <a:r>
-              <a:rPr lang="en-US" smtClean="0"/>
+              <a:rPr lang="en-US"/>
               <a:t>Click to edit Master title style</a:t>
             </a:r>
-            <a:endParaRPr lang="en-US"/>
           </a:p>
         </p:txBody>
       </p:sp>
@@ -1167,76 +1182,75 @@
         </p:nvSpPr>
         <p:spPr>
           <a:xfrm>
-            <a:off x="457200" y="1600200"/>
-            <a:ext cx="4038600" cy="4525963"/>
+            <a:off x="457200" y="1200151"/>
+            <a:ext cx="4038600" cy="3394472"/>
           </a:xfrm>
         </p:spPr>
         <p:txBody>
           <a:bodyPr/>
           <a:lstStyle>
             <a:lvl1pPr>
-              <a:defRPr sz="2800"/>
+              <a:defRPr sz="2100"/>
             </a:lvl1pPr>
             <a:lvl2pPr>
-              <a:defRPr sz="2400"/>
+              <a:defRPr sz="1800"/>
             </a:lvl2pPr>
             <a:lvl3pPr>
-              <a:defRPr sz="2000"/>
+              <a:defRPr sz="1500"/>
             </a:lvl3pPr>
             <a:lvl4pPr>
-              <a:defRPr sz="1800"/>
+              <a:defRPr sz="1350"/>
             </a:lvl4pPr>
             <a:lvl5pPr>
-              <a:defRPr sz="1800"/>
+              <a:defRPr sz="1350"/>
             </a:lvl5pPr>
             <a:lvl6pPr>
-              <a:defRPr sz="1800"/>
+              <a:defRPr sz="1350"/>
             </a:lvl6pPr>
             <a:lvl7pPr>
-              <a:defRPr sz="1800"/>
+              <a:defRPr sz="1350"/>
             </a:lvl7pPr>
             <a:lvl8pPr>
-              <a:defRPr sz="1800"/>
+              <a:defRPr sz="1350"/>
             </a:lvl8pPr>
             <a:lvl9pPr>
-              <a:defRPr sz="1800"/>
+              <a:defRPr sz="1350"/>
             </a:lvl9pPr>
           </a:lstStyle>
           <a:p>
             <a:pPr lvl="0"/>
             <a:r>
-              <a:rPr lang="en-US" smtClean="0"/>
+              <a:rPr lang="en-US"/>
               <a:t>Click to edit Master text styles</a:t>
             </a:r>
           </a:p>
           <a:p>
             <a:pPr lvl="1"/>
             <a:r>
-              <a:rPr lang="en-US" smtClean="0"/>
+              <a:rPr lang="en-US"/>
               <a:t>Second level</a:t>
             </a:r>
           </a:p>
           <a:p>
             <a:pPr lvl="2"/>
             <a:r>
-              <a:rPr lang="en-US" smtClean="0"/>
+              <a:rPr lang="en-US"/>
               <a:t>Third level</a:t>
             </a:r>
           </a:p>
           <a:p>
             <a:pPr lvl="3"/>
             <a:r>
-              <a:rPr lang="en-US" smtClean="0"/>
+              <a:rPr lang="en-US"/>
               <a:t>Fourth level</a:t>
             </a:r>
           </a:p>
           <a:p>
             <a:pPr lvl="4"/>
             <a:r>
-              <a:rPr lang="en-US" smtClean="0"/>
+              <a:rPr lang="en-US"/>
               <a:t>Fifth level</a:t>
             </a:r>
-            <a:endParaRPr lang="en-US"/>
           </a:p>
         </p:txBody>
       </p:sp>
@@ -1252,97 +1266,96 @@
         </p:nvSpPr>
         <p:spPr>
           <a:xfrm>
-            <a:off x="4648200" y="1600200"/>
-            <a:ext cx="4038600" cy="4525963"/>
+            <a:off x="4648200" y="1200151"/>
+            <a:ext cx="4038600" cy="3394472"/>
           </a:xfrm>
         </p:spPr>
         <p:txBody>
           <a:bodyPr/>
           <a:lstStyle>
             <a:lvl1pPr>
-              <a:defRPr sz="2800"/>
+              <a:defRPr sz="2100"/>
             </a:lvl1pPr>
             <a:lvl2pPr>
-              <a:defRPr sz="2400"/>
+              <a:defRPr sz="1800"/>
             </a:lvl2pPr>
             <a:lvl3pPr>
-              <a:defRPr sz="2000"/>
+              <a:defRPr sz="1500"/>
             </a:lvl3pPr>
             <a:lvl4pPr>
-              <a:defRPr sz="1800"/>
+              <a:defRPr sz="1350"/>
             </a:lvl4pPr>
             <a:lvl5pPr>
-              <a:defRPr sz="1800"/>
+              <a:defRPr sz="1350"/>
             </a:lvl5pPr>
             <a:lvl6pPr>
-              <a:defRPr sz="1800"/>
+              <a:defRPr sz="1350"/>
             </a:lvl6pPr>
             <a:lvl7pPr>
-              <a:defRPr sz="1800"/>
+              <a:defRPr sz="1350"/>
             </a:lvl7pPr>
             <a:lvl8pPr>
-              <a:defRPr sz="1800"/>
+              <a:defRPr sz="1350"/>
             </a:lvl8pPr>
             <a:lvl9pPr>
-              <a:defRPr sz="1800"/>
+              <a:defRPr sz="1350"/>
             </a:lvl9pPr>
           </a:lstStyle>
           <a:p>
             <a:pPr lvl="0"/>
             <a:r>
+              <a:rPr lang="en-US"/>
+              <a:t>Click to edit Master text styles</a:t>
+            </a:r>
+          </a:p>
+          <a:p>
+            <a:pPr lvl="1"/>
+            <a:r>
+              <a:rPr lang="en-US"/>
+              <a:t>Second level</a:t>
+            </a:r>
+          </a:p>
+          <a:p>
+            <a:pPr lvl="2"/>
+            <a:r>
+              <a:rPr lang="en-US"/>
+              <a:t>Third level</a:t>
+            </a:r>
+          </a:p>
+          <a:p>
+            <a:pPr lvl="3"/>
+            <a:r>
+              <a:rPr lang="en-US"/>
+              <a:t>Fourth level</a:t>
+            </a:r>
+          </a:p>
+          <a:p>
+            <a:pPr lvl="4"/>
+            <a:r>
+              <a:rPr lang="en-US"/>
+              <a:t>Fifth level</a:t>
+            </a:r>
+          </a:p>
+        </p:txBody>
+      </p:sp>
+      <p:sp>
+        <p:nvSpPr>
+          <p:cNvPr id="5" name="Date Placeholder 4"/>
+          <p:cNvSpPr>
+            <a:spLocks noGrp="1"/>
+          </p:cNvSpPr>
+          <p:nvPr>
+            <p:ph type="dt" sz="half" idx="10"/>
+          </p:nvPr>
+        </p:nvSpPr>
+        <p:spPr/>
+        <p:txBody>
+          <a:bodyPr/>
+          <a:lstStyle/>
+          <a:p>
+            <a:fld id="{241EB5C9-1307-BA42-ABA2-0BC069CD8E7F}" type="datetimeFigureOut">
               <a:rPr lang="en-US" smtClean="0"/>
-              <a:t>Click to edit Master text styles</a:t>
-            </a:r>
-          </a:p>
-          <a:p>
-            <a:pPr lvl="1"/>
-            <a:r>
-              <a:rPr lang="en-US" smtClean="0"/>
-              <a:t>Second level</a:t>
-            </a:r>
-          </a:p>
-          <a:p>
-            <a:pPr lvl="2"/>
-            <a:r>
-              <a:rPr lang="en-US" smtClean="0"/>
-              <a:t>Third level</a:t>
-            </a:r>
-          </a:p>
-          <a:p>
-            <a:pPr lvl="3"/>
-            <a:r>
-              <a:rPr lang="en-US" smtClean="0"/>
-              <a:t>Fourth level</a:t>
-            </a:r>
-          </a:p>
-          <a:p>
-            <a:pPr lvl="4"/>
-            <a:r>
-              <a:rPr lang="en-US" smtClean="0"/>
-              <a:t>Fifth level</a:t>
-            </a:r>
-            <a:endParaRPr lang="en-US"/>
-          </a:p>
-        </p:txBody>
-      </p:sp>
-      <p:sp>
-        <p:nvSpPr>
-          <p:cNvPr id="5" name="Date Placeholder 4"/>
-          <p:cNvSpPr>
-            <a:spLocks noGrp="1"/>
-          </p:cNvSpPr>
-          <p:nvPr>
-            <p:ph type="dt" sz="half" idx="10"/>
-          </p:nvPr>
-        </p:nvSpPr>
-        <p:spPr/>
-        <p:txBody>
-          <a:bodyPr/>
-          <a:lstStyle/>
-          <a:p>
-            <a:fld id="{5BCAD085-E8A6-8845-BD4E-CB4CCA059FC4}" type="datetimeFigureOut">
-              <a:rPr lang="en-US" smtClean="0"/>
-              <a:t>1/27/13</a:t>
+              <a:t>1/2/22</a:t>
             </a:fld>
             <a:endParaRPr lang="en-US"/>
           </a:p>
@@ -1382,7 +1395,7 @@
           <a:bodyPr/>
           <a:lstStyle/>
           <a:p>
-            <a:fld id="{C1FF6DA9-008F-8B48-92A6-B652298478BF}" type="slidenum">
+            <a:fld id="{C5EF2332-01BF-834F-8236-50238282D533}" type="slidenum">
               <a:rPr lang="en-US" smtClean="0"/>
               <a:t>‹#›</a:t>
             </a:fld>
@@ -1393,7 +1406,7 @@
     </p:spTree>
     <p:extLst>
       <p:ext uri="{BB962C8B-B14F-4D97-AF65-F5344CB8AC3E}">
-        <p14:creationId xmlns:p14="http://schemas.microsoft.com/office/powerpoint/2010/main" val="2782244947"/>
+        <p14:creationId xmlns:p14="http://schemas.microsoft.com/office/powerpoint/2010/main" val="2619886245"/>
       </p:ext>
     </p:extLst>
   </p:cSld>
@@ -1440,10 +1453,9 @@
           </a:lstStyle>
           <a:p>
             <a:r>
-              <a:rPr lang="en-US" smtClean="0"/>
+              <a:rPr lang="en-US"/>
               <a:t>Click to edit Master title style</a:t>
             </a:r>
-            <a:endParaRPr lang="en-US"/>
           </a:p>
         </p:txBody>
       </p:sp>
@@ -1459,8 +1471,8 @@
         </p:nvSpPr>
         <p:spPr>
           <a:xfrm>
-            <a:off x="457200" y="1535113"/>
-            <a:ext cx="4040188" cy="639762"/>
+            <a:off x="457200" y="1151335"/>
+            <a:ext cx="4040188" cy="479822"/>
           </a:xfrm>
         </p:spPr>
         <p:txBody>
@@ -1468,45 +1480,45 @@
           <a:lstStyle>
             <a:lvl1pPr marL="0" indent="0">
               <a:buNone/>
-              <a:defRPr sz="2400" b="1"/>
+              <a:defRPr sz="1800" b="1"/>
             </a:lvl1pPr>
-            <a:lvl2pPr marL="457200" indent="0">
-              <a:buNone/>
-              <a:defRPr sz="2000" b="1"/>
+            <a:lvl2pPr marL="342900" indent="0">
+              <a:buNone/>
+              <a:defRPr sz="1500" b="1"/>
             </a:lvl2pPr>
-            <a:lvl3pPr marL="914400" indent="0">
-              <a:buNone/>
-              <a:defRPr sz="1800" b="1"/>
+            <a:lvl3pPr marL="685800" indent="0">
+              <a:buNone/>
+              <a:defRPr sz="1350" b="1"/>
             </a:lvl3pPr>
-            <a:lvl4pPr marL="1371600" indent="0">
-              <a:buNone/>
-              <a:defRPr sz="1600" b="1"/>
+            <a:lvl4pPr marL="1028700" indent="0">
+              <a:buNone/>
+              <a:defRPr sz="1200" b="1"/>
             </a:lvl4pPr>
-            <a:lvl5pPr marL="1828800" indent="0">
-              <a:buNone/>
-              <a:defRPr sz="1600" b="1"/>
+            <a:lvl5pPr marL="1371600" indent="0">
+              <a:buNone/>
+              <a:defRPr sz="1200" b="1"/>
             </a:lvl5pPr>
-            <a:lvl6pPr marL="2286000" indent="0">
-              <a:buNone/>
-              <a:defRPr sz="1600" b="1"/>
+            <a:lvl6pPr marL="1714500" indent="0">
+              <a:buNone/>
+              <a:defRPr sz="1200" b="1"/>
             </a:lvl6pPr>
-            <a:lvl7pPr marL="2743200" indent="0">
-              <a:buNone/>
-              <a:defRPr sz="1600" b="1"/>
+            <a:lvl7pPr marL="2057400" indent="0">
+              <a:buNone/>
+              <a:defRPr sz="1200" b="1"/>
             </a:lvl7pPr>
-            <a:lvl8pPr marL="3200400" indent="0">
-              <a:buNone/>
-              <a:defRPr sz="1600" b="1"/>
+            <a:lvl8pPr marL="2400300" indent="0">
+              <a:buNone/>
+              <a:defRPr sz="1200" b="1"/>
             </a:lvl8pPr>
-            <a:lvl9pPr marL="3657600" indent="0">
-              <a:buNone/>
-              <a:defRPr sz="1600" b="1"/>
+            <a:lvl9pPr marL="2743200" indent="0">
+              <a:buNone/>
+              <a:defRPr sz="1200" b="1"/>
             </a:lvl9pPr>
           </a:lstStyle>
           <a:p>
             <a:pPr lvl="0"/>
             <a:r>
-              <a:rPr lang="en-US" smtClean="0"/>
+              <a:rPr lang="en-US"/>
               <a:t>Click to edit Master text styles</a:t>
             </a:r>
           </a:p>
@@ -1524,76 +1536,75 @@
         </p:nvSpPr>
         <p:spPr>
           <a:xfrm>
-            <a:off x="457200" y="2174875"/>
-            <a:ext cx="4040188" cy="3951288"/>
+            <a:off x="457200" y="1631156"/>
+            <a:ext cx="4040188" cy="2963466"/>
           </a:xfrm>
         </p:spPr>
         <p:txBody>
           <a:bodyPr/>
           <a:lstStyle>
             <a:lvl1pPr>
-              <a:defRPr sz="2400"/>
+              <a:defRPr sz="1800"/>
             </a:lvl1pPr>
             <a:lvl2pPr>
-              <a:defRPr sz="2000"/>
+              <a:defRPr sz="1500"/>
             </a:lvl2pPr>
             <a:lvl3pPr>
-              <a:defRPr sz="1800"/>
+              <a:defRPr sz="1350"/>
             </a:lvl3pPr>
             <a:lvl4pPr>
-              <a:defRPr sz="1600"/>
+              <a:defRPr sz="1200"/>
             </a:lvl4pPr>
             <a:lvl5pPr>
-              <a:defRPr sz="1600"/>
+              <a:defRPr sz="1200"/>
             </a:lvl5pPr>
             <a:lvl6pPr>
-              <a:defRPr sz="1600"/>
+              <a:defRPr sz="1200"/>
             </a:lvl6pPr>
             <a:lvl7pPr>
-              <a:defRPr sz="1600"/>
+              <a:defRPr sz="1200"/>
             </a:lvl7pPr>
             <a:lvl8pPr>
-              <a:defRPr sz="1600"/>
+              <a:defRPr sz="1200"/>
             </a:lvl8pPr>
             <a:lvl9pPr>
-              <a:defRPr sz="1600"/>
+              <a:defRPr sz="1200"/>
             </a:lvl9pPr>
           </a:lstStyle>
           <a:p>
             <a:pPr lvl="0"/>
             <a:r>
-              <a:rPr lang="en-US" smtClean="0"/>
+              <a:rPr lang="en-US"/>
               <a:t>Click to edit Master text styles</a:t>
             </a:r>
           </a:p>
           <a:p>
             <a:pPr lvl="1"/>
             <a:r>
-              <a:rPr lang="en-US" smtClean="0"/>
+              <a:rPr lang="en-US"/>
               <a:t>Second level</a:t>
             </a:r>
           </a:p>
           <a:p>
             <a:pPr lvl="2"/>
             <a:r>
-              <a:rPr lang="en-US" smtClean="0"/>
+              <a:rPr lang="en-US"/>
               <a:t>Third level</a:t>
             </a:r>
           </a:p>
           <a:p>
             <a:pPr lvl="3"/>
             <a:r>
-              <a:rPr lang="en-US" smtClean="0"/>
+              <a:rPr lang="en-US"/>
               <a:t>Fourth level</a:t>
             </a:r>
           </a:p>
           <a:p>
             <a:pPr lvl="4"/>
             <a:r>
-              <a:rPr lang="en-US" smtClean="0"/>
+              <a:rPr lang="en-US"/>
               <a:t>Fifth level</a:t>
             </a:r>
-            <a:endParaRPr lang="en-US"/>
           </a:p>
         </p:txBody>
       </p:sp>
@@ -1609,8 +1620,8 @@
         </p:nvSpPr>
         <p:spPr>
           <a:xfrm>
-            <a:off x="4645025" y="1535113"/>
-            <a:ext cx="4041775" cy="639762"/>
+            <a:off x="4645026" y="1151335"/>
+            <a:ext cx="4041775" cy="479822"/>
           </a:xfrm>
         </p:spPr>
         <p:txBody>
@@ -1618,45 +1629,45 @@
           <a:lstStyle>
             <a:lvl1pPr marL="0" indent="0">
               <a:buNone/>
-              <a:defRPr sz="2400" b="1"/>
+              <a:defRPr sz="1800" b="1"/>
             </a:lvl1pPr>
-            <a:lvl2pPr marL="457200" indent="0">
-              <a:buNone/>
-              <a:defRPr sz="2000" b="1"/>
+            <a:lvl2pPr marL="342900" indent="0">
+              <a:buNone/>
+              <a:defRPr sz="1500" b="1"/>
             </a:lvl2pPr>
-            <a:lvl3pPr marL="914400" indent="0">
-              <a:buNone/>
-              <a:defRPr sz="1800" b="1"/>
+            <a:lvl3pPr marL="685800" indent="0">
+              <a:buNone/>
+              <a:defRPr sz="1350" b="1"/>
             </a:lvl3pPr>
-            <a:lvl4pPr marL="1371600" indent="0">
-              <a:buNone/>
-              <a:defRPr sz="1600" b="1"/>
+            <a:lvl4pPr marL="1028700" indent="0">
+              <a:buNone/>
+              <a:defRPr sz="1200" b="1"/>
             </a:lvl4pPr>
-            <a:lvl5pPr marL="1828800" indent="0">
-              <a:buNone/>
-              <a:defRPr sz="1600" b="1"/>
+            <a:lvl5pPr marL="1371600" indent="0">
+              <a:buNone/>
+              <a:defRPr sz="1200" b="1"/>
             </a:lvl5pPr>
-            <a:lvl6pPr marL="2286000" indent="0">
-              <a:buNone/>
-              <a:defRPr sz="1600" b="1"/>
+            <a:lvl6pPr marL="1714500" indent="0">
+              <a:buNone/>
+              <a:defRPr sz="1200" b="1"/>
             </a:lvl6pPr>
-            <a:lvl7pPr marL="2743200" indent="0">
-              <a:buNone/>
-              <a:defRPr sz="1600" b="1"/>
+            <a:lvl7pPr marL="2057400" indent="0">
+              <a:buNone/>
+              <a:defRPr sz="1200" b="1"/>
             </a:lvl7pPr>
-            <a:lvl8pPr marL="3200400" indent="0">
-              <a:buNone/>
-              <a:defRPr sz="1600" b="1"/>
+            <a:lvl8pPr marL="2400300" indent="0">
+              <a:buNone/>
+              <a:defRPr sz="1200" b="1"/>
             </a:lvl8pPr>
-            <a:lvl9pPr marL="3657600" indent="0">
-              <a:buNone/>
-              <a:defRPr sz="1600" b="1"/>
+            <a:lvl9pPr marL="2743200" indent="0">
+              <a:buNone/>
+              <a:defRPr sz="1200" b="1"/>
             </a:lvl9pPr>
           </a:lstStyle>
           <a:p>
             <a:pPr lvl="0"/>
             <a:r>
-              <a:rPr lang="en-US" smtClean="0"/>
+              <a:rPr lang="en-US"/>
               <a:t>Click to edit Master text styles</a:t>
             </a:r>
           </a:p>
@@ -1674,97 +1685,96 @@
         </p:nvSpPr>
         <p:spPr>
           <a:xfrm>
-            <a:off x="4645025" y="2174875"/>
-            <a:ext cx="4041775" cy="3951288"/>
+            <a:off x="4645026" y="1631156"/>
+            <a:ext cx="4041775" cy="2963466"/>
           </a:xfrm>
         </p:spPr>
         <p:txBody>
           <a:bodyPr/>
           <a:lstStyle>
             <a:lvl1pPr>
-              <a:defRPr sz="2400"/>
+              <a:defRPr sz="1800"/>
             </a:lvl1pPr>
             <a:lvl2pPr>
-              <a:defRPr sz="2000"/>
+              <a:defRPr sz="1500"/>
             </a:lvl2pPr>
             <a:lvl3pPr>
-              <a:defRPr sz="1800"/>
+              <a:defRPr sz="1350"/>
             </a:lvl3pPr>
             <a:lvl4pPr>
-              <a:defRPr sz="1600"/>
+              <a:defRPr sz="1200"/>
             </a:lvl4pPr>
             <a:lvl5pPr>
-              <a:defRPr sz="1600"/>
+              <a:defRPr sz="1200"/>
             </a:lvl5pPr>
             <a:lvl6pPr>
-              <a:defRPr sz="1600"/>
+              <a:defRPr sz="1200"/>
             </a:lvl6pPr>
             <a:lvl7pPr>
-              <a:defRPr sz="1600"/>
+              <a:defRPr sz="1200"/>
             </a:lvl7pPr>
             <a:lvl8pPr>
-              <a:defRPr sz="1600"/>
+              <a:defRPr sz="1200"/>
             </a:lvl8pPr>
             <a:lvl9pPr>
-              <a:defRPr sz="1600"/>
+              <a:defRPr sz="1200"/>
             </a:lvl9pPr>
           </a:lstStyle>
           <a:p>
             <a:pPr lvl="0"/>
             <a:r>
+              <a:rPr lang="en-US"/>
+              <a:t>Click to edit Master text styles</a:t>
+            </a:r>
+          </a:p>
+          <a:p>
+            <a:pPr lvl="1"/>
+            <a:r>
+              <a:rPr lang="en-US"/>
+              <a:t>Second level</a:t>
+            </a:r>
+          </a:p>
+          <a:p>
+            <a:pPr lvl="2"/>
+            <a:r>
+              <a:rPr lang="en-US"/>
+              <a:t>Third level</a:t>
+            </a:r>
+          </a:p>
+          <a:p>
+            <a:pPr lvl="3"/>
+            <a:r>
+              <a:rPr lang="en-US"/>
+              <a:t>Fourth level</a:t>
+            </a:r>
+          </a:p>
+          <a:p>
+            <a:pPr lvl="4"/>
+            <a:r>
+              <a:rPr lang="en-US"/>
+              <a:t>Fifth level</a:t>
+            </a:r>
+          </a:p>
+        </p:txBody>
+      </p:sp>
+      <p:sp>
+        <p:nvSpPr>
+          <p:cNvPr id="7" name="Date Placeholder 6"/>
+          <p:cNvSpPr>
+            <a:spLocks noGrp="1"/>
+          </p:cNvSpPr>
+          <p:nvPr>
+            <p:ph type="dt" sz="half" idx="10"/>
+          </p:nvPr>
+        </p:nvSpPr>
+        <p:spPr/>
+        <p:txBody>
+          <a:bodyPr/>
+          <a:lstStyle/>
+          <a:p>
+            <a:fld id="{241EB5C9-1307-BA42-ABA2-0BC069CD8E7F}" type="datetimeFigureOut">
               <a:rPr lang="en-US" smtClean="0"/>
-              <a:t>Click to edit Master text styles</a:t>
-            </a:r>
-          </a:p>
-          <a:p>
-            <a:pPr lvl="1"/>
-            <a:r>
-              <a:rPr lang="en-US" smtClean="0"/>
-              <a:t>Second level</a:t>
-            </a:r>
-          </a:p>
-          <a:p>
-            <a:pPr lvl="2"/>
-            <a:r>
-              <a:rPr lang="en-US" smtClean="0"/>
-              <a:t>Third level</a:t>
-            </a:r>
-          </a:p>
-          <a:p>
-            <a:pPr lvl="3"/>
-            <a:r>
-              <a:rPr lang="en-US" smtClean="0"/>
-              <a:t>Fourth level</a:t>
-            </a:r>
-          </a:p>
-          <a:p>
-            <a:pPr lvl="4"/>
-            <a:r>
-              <a:rPr lang="en-US" smtClean="0"/>
-              <a:t>Fifth level</a:t>
-            </a:r>
-            <a:endParaRPr lang="en-US"/>
-          </a:p>
-        </p:txBody>
-      </p:sp>
-      <p:sp>
-        <p:nvSpPr>
-          <p:cNvPr id="7" name="Date Placeholder 6"/>
-          <p:cNvSpPr>
-            <a:spLocks noGrp="1"/>
-          </p:cNvSpPr>
-          <p:nvPr>
-            <p:ph type="dt" sz="half" idx="10"/>
-          </p:nvPr>
-        </p:nvSpPr>
-        <p:spPr/>
-        <p:txBody>
-          <a:bodyPr/>
-          <a:lstStyle/>
-          <a:p>
-            <a:fld id="{5BCAD085-E8A6-8845-BD4E-CB4CCA059FC4}" type="datetimeFigureOut">
-              <a:rPr lang="en-US" smtClean="0"/>
-              <a:t>1/27/13</a:t>
+              <a:t>1/2/22</a:t>
             </a:fld>
             <a:endParaRPr lang="en-US"/>
           </a:p>
@@ -1804,7 +1814,7 @@
           <a:bodyPr/>
           <a:lstStyle/>
           <a:p>
-            <a:fld id="{C1FF6DA9-008F-8B48-92A6-B652298478BF}" type="slidenum">
+            <a:fld id="{C5EF2332-01BF-834F-8236-50238282D533}" type="slidenum">
               <a:rPr lang="en-US" smtClean="0"/>
               <a:t>‹#›</a:t>
             </a:fld>
@@ -1815,7 +1825,7 @@
     </p:spTree>
     <p:extLst>
       <p:ext uri="{BB962C8B-B14F-4D97-AF65-F5344CB8AC3E}">
-        <p14:creationId xmlns:p14="http://schemas.microsoft.com/office/powerpoint/2010/main" val="990158736"/>
+        <p14:creationId xmlns:p14="http://schemas.microsoft.com/office/powerpoint/2010/main" val="2535793967"/>
       </p:ext>
     </p:extLst>
   </p:cSld>
@@ -1858,31 +1868,30 @@
           <a:lstStyle/>
           <a:p>
             <a:r>
+              <a:rPr lang="en-US"/>
+              <a:t>Click to edit Master title style</a:t>
+            </a:r>
+          </a:p>
+        </p:txBody>
+      </p:sp>
+      <p:sp>
+        <p:nvSpPr>
+          <p:cNvPr id="3" name="Date Placeholder 2"/>
+          <p:cNvSpPr>
+            <a:spLocks noGrp="1"/>
+          </p:cNvSpPr>
+          <p:nvPr>
+            <p:ph type="dt" sz="half" idx="10"/>
+          </p:nvPr>
+        </p:nvSpPr>
+        <p:spPr/>
+        <p:txBody>
+          <a:bodyPr/>
+          <a:lstStyle/>
+          <a:p>
+            <a:fld id="{241EB5C9-1307-BA42-ABA2-0BC069CD8E7F}" type="datetimeFigureOut">
               <a:rPr lang="en-US" smtClean="0"/>
-              <a:t>Click to edit Master title style</a:t>
-            </a:r>
-            <a:endParaRPr lang="en-US"/>
-          </a:p>
-        </p:txBody>
-      </p:sp>
-      <p:sp>
-        <p:nvSpPr>
-          <p:cNvPr id="3" name="Date Placeholder 2"/>
-          <p:cNvSpPr>
-            <a:spLocks noGrp="1"/>
-          </p:cNvSpPr>
-          <p:nvPr>
-            <p:ph type="dt" sz="half" idx="10"/>
-          </p:nvPr>
-        </p:nvSpPr>
-        <p:spPr/>
-        <p:txBody>
-          <a:bodyPr/>
-          <a:lstStyle/>
-          <a:p>
-            <a:fld id="{5BCAD085-E8A6-8845-BD4E-CB4CCA059FC4}" type="datetimeFigureOut">
-              <a:rPr lang="en-US" smtClean="0"/>
-              <a:t>1/27/13</a:t>
+              <a:t>1/2/22</a:t>
             </a:fld>
             <a:endParaRPr lang="en-US"/>
           </a:p>
@@ -1922,7 +1931,7 @@
           <a:bodyPr/>
           <a:lstStyle/>
           <a:p>
-            <a:fld id="{C1FF6DA9-008F-8B48-92A6-B652298478BF}" type="slidenum">
+            <a:fld id="{C5EF2332-01BF-834F-8236-50238282D533}" type="slidenum">
               <a:rPr lang="en-US" smtClean="0"/>
               <a:t>‹#›</a:t>
             </a:fld>
@@ -1933,7 +1942,7 @@
     </p:spTree>
     <p:extLst>
       <p:ext uri="{BB962C8B-B14F-4D97-AF65-F5344CB8AC3E}">
-        <p14:creationId xmlns:p14="http://schemas.microsoft.com/office/powerpoint/2010/main" val="727027711"/>
+        <p14:creationId xmlns:p14="http://schemas.microsoft.com/office/powerpoint/2010/main" val="3472721253"/>
       </p:ext>
     </p:extLst>
   </p:cSld>
@@ -1975,9 +1984,9 @@
           <a:bodyPr/>
           <a:lstStyle/>
           <a:p>
-            <a:fld id="{5BCAD085-E8A6-8845-BD4E-CB4CCA059FC4}" type="datetimeFigureOut">
+            <a:fld id="{241EB5C9-1307-BA42-ABA2-0BC069CD8E7F}" type="datetimeFigureOut">
               <a:rPr lang="en-US" smtClean="0"/>
-              <a:t>1/27/13</a:t>
+              <a:t>1/2/22</a:t>
             </a:fld>
             <a:endParaRPr lang="en-US"/>
           </a:p>
@@ -2017,7 +2026,7 @@
           <a:bodyPr/>
           <a:lstStyle/>
           <a:p>
-            <a:fld id="{C1FF6DA9-008F-8B48-92A6-B652298478BF}" type="slidenum">
+            <a:fld id="{C5EF2332-01BF-834F-8236-50238282D533}" type="slidenum">
               <a:rPr lang="en-US" smtClean="0"/>
               <a:t>‹#›</a:t>
             </a:fld>
@@ -2028,7 +2037,7 @@
     </p:spTree>
     <p:extLst>
       <p:ext uri="{BB962C8B-B14F-4D97-AF65-F5344CB8AC3E}">
-        <p14:creationId xmlns:p14="http://schemas.microsoft.com/office/powerpoint/2010/main" val="1212999818"/>
+        <p14:creationId xmlns:p14="http://schemas.microsoft.com/office/powerpoint/2010/main" val="2130901097"/>
       </p:ext>
     </p:extLst>
   </p:cSld>
@@ -2067,23 +2076,22 @@
         </p:nvSpPr>
         <p:spPr>
           <a:xfrm>
-            <a:off x="457200" y="273050"/>
-            <a:ext cx="3008313" cy="1162050"/>
+            <a:off x="457201" y="204787"/>
+            <a:ext cx="3008313" cy="871538"/>
           </a:xfrm>
         </p:spPr>
         <p:txBody>
           <a:bodyPr anchor="b"/>
           <a:lstStyle>
             <a:lvl1pPr algn="l">
-              <a:defRPr sz="2000" b="1"/>
+              <a:defRPr sz="1500" b="1"/>
             </a:lvl1pPr>
           </a:lstStyle>
           <a:p>
             <a:r>
-              <a:rPr lang="en-US" smtClean="0"/>
+              <a:rPr lang="en-US"/>
               <a:t>Click to edit Master title style</a:t>
             </a:r>
-            <a:endParaRPr lang="en-US"/>
           </a:p>
         </p:txBody>
       </p:sp>
@@ -2099,76 +2107,75 @@
         </p:nvSpPr>
         <p:spPr>
           <a:xfrm>
-            <a:off x="3575050" y="273050"/>
-            <a:ext cx="5111750" cy="5853113"/>
+            <a:off x="3575050" y="204788"/>
+            <a:ext cx="5111750" cy="4389835"/>
           </a:xfrm>
         </p:spPr>
         <p:txBody>
           <a:bodyPr/>
           <a:lstStyle>
             <a:lvl1pPr>
-              <a:defRPr sz="3200"/>
+              <a:defRPr sz="2400"/>
             </a:lvl1pPr>
             <a:lvl2pPr>
-              <a:defRPr sz="2800"/>
+              <a:defRPr sz="2100"/>
             </a:lvl2pPr>
             <a:lvl3pPr>
-              <a:defRPr sz="2400"/>
+              <a:defRPr sz="1800"/>
             </a:lvl3pPr>
             <a:lvl4pPr>
-              <a:defRPr sz="2000"/>
+              <a:defRPr sz="1500"/>
             </a:lvl4pPr>
             <a:lvl5pPr>
-              <a:defRPr sz="2000"/>
+              <a:defRPr sz="1500"/>
             </a:lvl5pPr>
             <a:lvl6pPr>
-              <a:defRPr sz="2000"/>
+              <a:defRPr sz="1500"/>
             </a:lvl6pPr>
             <a:lvl7pPr>
-              <a:defRPr sz="2000"/>
+              <a:defRPr sz="1500"/>
             </a:lvl7pPr>
             <a:lvl8pPr>
-              <a:defRPr sz="2000"/>
+              <a:defRPr sz="1500"/>
             </a:lvl8pPr>
             <a:lvl9pPr>
-              <a:defRPr sz="2000"/>
+              <a:defRPr sz="1500"/>
             </a:lvl9pPr>
           </a:lstStyle>
           <a:p>
             <a:pPr lvl="0"/>
             <a:r>
-              <a:rPr lang="en-US" smtClean="0"/>
+              <a:rPr lang="en-US"/>
               <a:t>Click to edit Master text styles</a:t>
             </a:r>
           </a:p>
           <a:p>
             <a:pPr lvl="1"/>
             <a:r>
-              <a:rPr lang="en-US" smtClean="0"/>
+              <a:rPr lang="en-US"/>
               <a:t>Second level</a:t>
             </a:r>
           </a:p>
           <a:p>
             <a:pPr lvl="2"/>
             <a:r>
-              <a:rPr lang="en-US" smtClean="0"/>
+              <a:rPr lang="en-US"/>
               <a:t>Third level</a:t>
             </a:r>
           </a:p>
           <a:p>
             <a:pPr lvl="3"/>
             <a:r>
-              <a:rPr lang="en-US" smtClean="0"/>
+              <a:rPr lang="en-US"/>
               <a:t>Fourth level</a:t>
             </a:r>
           </a:p>
           <a:p>
             <a:pPr lvl="4"/>
             <a:r>
-              <a:rPr lang="en-US" smtClean="0"/>
+              <a:rPr lang="en-US"/>
               <a:t>Fifth level</a:t>
             </a:r>
-            <a:endParaRPr lang="en-US"/>
           </a:p>
         </p:txBody>
       </p:sp>
@@ -2184,8 +2191,8 @@
         </p:nvSpPr>
         <p:spPr>
           <a:xfrm>
-            <a:off x="457200" y="1435100"/>
-            <a:ext cx="3008313" cy="4691063"/>
+            <a:off x="457201" y="1076326"/>
+            <a:ext cx="3008313" cy="3518297"/>
           </a:xfrm>
         </p:spPr>
         <p:txBody>
@@ -2193,68 +2200,68 @@
           <a:lstStyle>
             <a:lvl1pPr marL="0" indent="0">
               <a:buNone/>
-              <a:defRPr sz="1400"/>
+              <a:defRPr sz="1050"/>
             </a:lvl1pPr>
-            <a:lvl2pPr marL="457200" indent="0">
-              <a:buNone/>
-              <a:defRPr sz="1200"/>
+            <a:lvl2pPr marL="342900" indent="0">
+              <a:buNone/>
+              <a:defRPr sz="900"/>
             </a:lvl2pPr>
-            <a:lvl3pPr marL="914400" indent="0">
-              <a:buNone/>
-              <a:defRPr sz="1000"/>
+            <a:lvl3pPr marL="685800" indent="0">
+              <a:buNone/>
+              <a:defRPr sz="750"/>
             </a:lvl3pPr>
-            <a:lvl4pPr marL="1371600" indent="0">
-              <a:buNone/>
-              <a:defRPr sz="900"/>
+            <a:lvl4pPr marL="1028700" indent="0">
+              <a:buNone/>
+              <a:defRPr sz="675"/>
             </a:lvl4pPr>
-            <a:lvl5pPr marL="1828800" indent="0">
-              <a:buNone/>
-              <a:defRPr sz="900"/>
+            <a:lvl5pPr marL="1371600" indent="0">
+              <a:buNone/>
+              <a:defRPr sz="675"/>
             </a:lvl5pPr>
-            <a:lvl6pPr marL="2286000" indent="0">
-              <a:buNone/>
-              <a:defRPr sz="900"/>
+            <a:lvl6pPr marL="1714500" indent="0">
+              <a:buNone/>
+              <a:defRPr sz="675"/>
             </a:lvl6pPr>
-            <a:lvl7pPr marL="2743200" indent="0">
-              <a:buNone/>
-              <a:defRPr sz="900"/>
+            <a:lvl7pPr marL="2057400" indent="0">
+              <a:buNone/>
+              <a:defRPr sz="675"/>
             </a:lvl7pPr>
-            <a:lvl8pPr marL="3200400" indent="0">
-              <a:buNone/>
-              <a:defRPr sz="900"/>
+            <a:lvl8pPr marL="2400300" indent="0">
+              <a:buNone/>
+              <a:defRPr sz="675"/>
             </a:lvl8pPr>
-            <a:lvl9pPr marL="3657600" indent="0">
-              <a:buNone/>
-              <a:defRPr sz="900"/>
+            <a:lvl9pPr marL="2743200" indent="0">
+              <a:buNone/>
+              <a:defRPr sz="675"/>
             </a:lvl9pPr>
           </a:lstStyle>
           <a:p>
             <a:pPr lvl="0"/>
             <a:r>
+              <a:rPr lang="en-US"/>
+              <a:t>Click to edit Master text styles</a:t>
+            </a:r>
+          </a:p>
+        </p:txBody>
+      </p:sp>
+      <p:sp>
+        <p:nvSpPr>
+          <p:cNvPr id="5" name="Date Placeholder 4"/>
+          <p:cNvSpPr>
+            <a:spLocks noGrp="1"/>
+          </p:cNvSpPr>
+          <p:nvPr>
+            <p:ph type="dt" sz="half" idx="10"/>
+          </p:nvPr>
+        </p:nvSpPr>
+        <p:spPr/>
+        <p:txBody>
+          <a:bodyPr/>
+          <a:lstStyle/>
+          <a:p>
+            <a:fld id="{241EB5C9-1307-BA42-ABA2-0BC069CD8E7F}" type="datetimeFigureOut">
               <a:rPr lang="en-US" smtClean="0"/>
-              <a:t>Click to edit Master text styles</a:t>
-            </a:r>
-          </a:p>
-        </p:txBody>
-      </p:sp>
-      <p:sp>
-        <p:nvSpPr>
-          <p:cNvPr id="5" name="Date Placeholder 4"/>
-          <p:cNvSpPr>
-            <a:spLocks noGrp="1"/>
-          </p:cNvSpPr>
-          <p:nvPr>
-            <p:ph type="dt" sz="half" idx="10"/>
-          </p:nvPr>
-        </p:nvSpPr>
-        <p:spPr/>
-        <p:txBody>
-          <a:bodyPr/>
-          <a:lstStyle/>
-          <a:p>
-            <a:fld id="{5BCAD085-E8A6-8845-BD4E-CB4CCA059FC4}" type="datetimeFigureOut">
-              <a:rPr lang="en-US" smtClean="0"/>
-              <a:t>1/27/13</a:t>
+              <a:t>1/2/22</a:t>
             </a:fld>
             <a:endParaRPr lang="en-US"/>
           </a:p>
@@ -2294,7 +2301,7 @@
           <a:bodyPr/>
           <a:lstStyle/>
           <a:p>
-            <a:fld id="{C1FF6DA9-008F-8B48-92A6-B652298478BF}" type="slidenum">
+            <a:fld id="{C5EF2332-01BF-834F-8236-50238282D533}" type="slidenum">
               <a:rPr lang="en-US" smtClean="0"/>
               <a:t>‹#›</a:t>
             </a:fld>
@@ -2305,7 +2312,7 @@
     </p:spTree>
     <p:extLst>
       <p:ext uri="{BB962C8B-B14F-4D97-AF65-F5344CB8AC3E}">
-        <p14:creationId xmlns:p14="http://schemas.microsoft.com/office/powerpoint/2010/main" val="1840726560"/>
+        <p14:creationId xmlns:p14="http://schemas.microsoft.com/office/powerpoint/2010/main" val="3540895647"/>
       </p:ext>
     </p:extLst>
   </p:cSld>
@@ -2344,23 +2351,22 @@
         </p:nvSpPr>
         <p:spPr>
           <a:xfrm>
-            <a:off x="1792288" y="4800600"/>
-            <a:ext cx="5486400" cy="566738"/>
+            <a:off x="1792288" y="3600450"/>
+            <a:ext cx="5486400" cy="425054"/>
           </a:xfrm>
         </p:spPr>
         <p:txBody>
           <a:bodyPr anchor="b"/>
           <a:lstStyle>
             <a:lvl1pPr algn="l">
-              <a:defRPr sz="2000" b="1"/>
+              <a:defRPr sz="1500" b="1"/>
             </a:lvl1pPr>
           </a:lstStyle>
           <a:p>
             <a:r>
-              <a:rPr lang="en-US" smtClean="0"/>
+              <a:rPr lang="en-US"/>
               <a:t>Click to edit Master title style</a:t>
             </a:r>
-            <a:endParaRPr lang="en-US"/>
           </a:p>
         </p:txBody>
       </p:sp>
@@ -2376,8 +2382,8 @@
         </p:nvSpPr>
         <p:spPr>
           <a:xfrm>
-            <a:off x="1792288" y="612775"/>
-            <a:ext cx="5486400" cy="4114800"/>
+            <a:off x="1792288" y="459581"/>
+            <a:ext cx="5486400" cy="3086100"/>
           </a:xfrm>
         </p:spPr>
         <p:txBody>
@@ -2385,39 +2391,39 @@
           <a:lstStyle>
             <a:lvl1pPr marL="0" indent="0">
               <a:buNone/>
-              <a:defRPr sz="3200"/>
+              <a:defRPr sz="2400"/>
             </a:lvl1pPr>
-            <a:lvl2pPr marL="457200" indent="0">
-              <a:buNone/>
-              <a:defRPr sz="2800"/>
+            <a:lvl2pPr marL="342900" indent="0">
+              <a:buNone/>
+              <a:defRPr sz="2100"/>
             </a:lvl2pPr>
-            <a:lvl3pPr marL="914400" indent="0">
-              <a:buNone/>
-              <a:defRPr sz="2400"/>
+            <a:lvl3pPr marL="685800" indent="0">
+              <a:buNone/>
+              <a:defRPr sz="1800"/>
             </a:lvl3pPr>
-            <a:lvl4pPr marL="1371600" indent="0">
-              <a:buNone/>
-              <a:defRPr sz="2000"/>
+            <a:lvl4pPr marL="1028700" indent="0">
+              <a:buNone/>
+              <a:defRPr sz="1500"/>
             </a:lvl4pPr>
-            <a:lvl5pPr marL="1828800" indent="0">
-              <a:buNone/>
-              <a:defRPr sz="2000"/>
+            <a:lvl5pPr marL="1371600" indent="0">
+              <a:buNone/>
+              <a:defRPr sz="1500"/>
             </a:lvl5pPr>
-            <a:lvl6pPr marL="2286000" indent="0">
-              <a:buNone/>
-              <a:defRPr sz="2000"/>
+            <a:lvl6pPr marL="1714500" indent="0">
+              <a:buNone/>
+              <a:defRPr sz="1500"/>
             </a:lvl6pPr>
-            <a:lvl7pPr marL="2743200" indent="0">
-              <a:buNone/>
-              <a:defRPr sz="2000"/>
+            <a:lvl7pPr marL="2057400" indent="0">
+              <a:buNone/>
+              <a:defRPr sz="1500"/>
             </a:lvl7pPr>
-            <a:lvl8pPr marL="3200400" indent="0">
-              <a:buNone/>
-              <a:defRPr sz="2000"/>
+            <a:lvl8pPr marL="2400300" indent="0">
+              <a:buNone/>
+              <a:defRPr sz="1500"/>
             </a:lvl8pPr>
-            <a:lvl9pPr marL="3657600" indent="0">
-              <a:buNone/>
-              <a:defRPr sz="2000"/>
+            <a:lvl9pPr marL="2743200" indent="0">
+              <a:buNone/>
+              <a:defRPr sz="1500"/>
             </a:lvl9pPr>
           </a:lstStyle>
           <a:p>
@@ -2437,8 +2443,8 @@
         </p:nvSpPr>
         <p:spPr>
           <a:xfrm>
-            <a:off x="1792288" y="5367338"/>
-            <a:ext cx="5486400" cy="804862"/>
+            <a:off x="1792288" y="4025503"/>
+            <a:ext cx="5486400" cy="603647"/>
           </a:xfrm>
         </p:spPr>
         <p:txBody>
@@ -2446,68 +2452,68 @@
           <a:lstStyle>
             <a:lvl1pPr marL="0" indent="0">
               <a:buNone/>
-              <a:defRPr sz="1400"/>
+              <a:defRPr sz="1050"/>
             </a:lvl1pPr>
-            <a:lvl2pPr marL="457200" indent="0">
-              <a:buNone/>
-              <a:defRPr sz="1200"/>
+            <a:lvl2pPr marL="342900" indent="0">
+              <a:buNone/>
+              <a:defRPr sz="900"/>
             </a:lvl2pPr>
-            <a:lvl3pPr marL="914400" indent="0">
-              <a:buNone/>
-              <a:defRPr sz="1000"/>
+            <a:lvl3pPr marL="685800" indent="0">
+              <a:buNone/>
+              <a:defRPr sz="750"/>
             </a:lvl3pPr>
-            <a:lvl4pPr marL="1371600" indent="0">
-              <a:buNone/>
-              <a:defRPr sz="900"/>
+            <a:lvl4pPr marL="1028700" indent="0">
+              <a:buNone/>
+              <a:defRPr sz="675"/>
             </a:lvl4pPr>
-            <a:lvl5pPr marL="1828800" indent="0">
-              <a:buNone/>
-              <a:defRPr sz="900"/>
+            <a:lvl5pPr marL="1371600" indent="0">
+              <a:buNone/>
+              <a:defRPr sz="675"/>
             </a:lvl5pPr>
-            <a:lvl6pPr marL="2286000" indent="0">
-              <a:buNone/>
-              <a:defRPr sz="900"/>
+            <a:lvl6pPr marL="1714500" indent="0">
+              <a:buNone/>
+              <a:defRPr sz="675"/>
             </a:lvl6pPr>
-            <a:lvl7pPr marL="2743200" indent="0">
-              <a:buNone/>
-              <a:defRPr sz="900"/>
+            <a:lvl7pPr marL="2057400" indent="0">
+              <a:buNone/>
+              <a:defRPr sz="675"/>
             </a:lvl7pPr>
-            <a:lvl8pPr marL="3200400" indent="0">
-              <a:buNone/>
-              <a:defRPr sz="900"/>
+            <a:lvl8pPr marL="2400300" indent="0">
+              <a:buNone/>
+              <a:defRPr sz="675"/>
             </a:lvl8pPr>
-            <a:lvl9pPr marL="3657600" indent="0">
-              <a:buNone/>
-              <a:defRPr sz="900"/>
+            <a:lvl9pPr marL="2743200" indent="0">
+              <a:buNone/>
+              <a:defRPr sz="675"/>
             </a:lvl9pPr>
           </a:lstStyle>
           <a:p>
             <a:pPr lvl="0"/>
             <a:r>
+              <a:rPr lang="en-US"/>
+              <a:t>Click to edit Master text styles</a:t>
+            </a:r>
+          </a:p>
+        </p:txBody>
+      </p:sp>
+      <p:sp>
+        <p:nvSpPr>
+          <p:cNvPr id="5" name="Date Placeholder 4"/>
+          <p:cNvSpPr>
+            <a:spLocks noGrp="1"/>
+          </p:cNvSpPr>
+          <p:nvPr>
+            <p:ph type="dt" sz="half" idx="10"/>
+          </p:nvPr>
+        </p:nvSpPr>
+        <p:spPr/>
+        <p:txBody>
+          <a:bodyPr/>
+          <a:lstStyle/>
+          <a:p>
+            <a:fld id="{241EB5C9-1307-BA42-ABA2-0BC069CD8E7F}" type="datetimeFigureOut">
               <a:rPr lang="en-US" smtClean="0"/>
-              <a:t>Click to edit Master text styles</a:t>
-            </a:r>
-          </a:p>
-        </p:txBody>
-      </p:sp>
-      <p:sp>
-        <p:nvSpPr>
-          <p:cNvPr id="5" name="Date Placeholder 4"/>
-          <p:cNvSpPr>
-            <a:spLocks noGrp="1"/>
-          </p:cNvSpPr>
-          <p:nvPr>
-            <p:ph type="dt" sz="half" idx="10"/>
-          </p:nvPr>
-        </p:nvSpPr>
-        <p:spPr/>
-        <p:txBody>
-          <a:bodyPr/>
-          <a:lstStyle/>
-          <a:p>
-            <a:fld id="{5BCAD085-E8A6-8845-BD4E-CB4CCA059FC4}" type="datetimeFigureOut">
-              <a:rPr lang="en-US" smtClean="0"/>
-              <a:t>1/27/13</a:t>
+              <a:t>1/2/22</a:t>
             </a:fld>
             <a:endParaRPr lang="en-US"/>
           </a:p>
@@ -2547,7 +2553,7 @@
           <a:bodyPr/>
           <a:lstStyle/>
           <a:p>
-            <a:fld id="{C1FF6DA9-008F-8B48-92A6-B652298478BF}" type="slidenum">
+            <a:fld id="{C5EF2332-01BF-834F-8236-50238282D533}" type="slidenum">
               <a:rPr lang="en-US" smtClean="0"/>
               <a:t>‹#›</a:t>
             </a:fld>
@@ -2558,7 +2564,7 @@
     </p:spTree>
     <p:extLst>
       <p:ext uri="{BB962C8B-B14F-4D97-AF65-F5344CB8AC3E}">
-        <p14:creationId xmlns:p14="http://schemas.microsoft.com/office/powerpoint/2010/main" val="3889236939"/>
+        <p14:creationId xmlns:p14="http://schemas.microsoft.com/office/powerpoint/2010/main" val="3566899855"/>
       </p:ext>
     </p:extLst>
   </p:cSld>
@@ -2569,7 +2575,7 @@
 </file>
 
 <file path=ppt/slideMasters/slideMaster1.xml><?xml version="1.0" encoding="utf-8"?>
-<p:sldMaster xmlns:a="http://schemas.openxmlformats.org/drawingml/2006/main" xmlns:r="http://schemas.openxmlformats.org/officeDocument/2006/relationships" xmlns:p="http://schemas.openxmlformats.org/presentationml/2006/main">
+<p:sldMaster xmlns:a="http://schemas.openxmlformats.org/drawingml/2006/main" xmlns:p="http://schemas.openxmlformats.org/presentationml/2006/main" xmlns:r="http://schemas.openxmlformats.org/officeDocument/2006/relationships">
   <p:cSld>
     <p:bg>
       <p:bgRef idx="1001">
@@ -2602,24 +2608,23 @@
         </p:nvSpPr>
         <p:spPr>
           <a:xfrm>
-            <a:off x="457200" y="274638"/>
-            <a:ext cx="8229600" cy="1143000"/>
+            <a:off x="457200" y="205979"/>
+            <a:ext cx="8229600" cy="857250"/>
           </a:xfrm>
           <a:prstGeom prst="rect">
             <a:avLst/>
           </a:prstGeom>
         </p:spPr>
         <p:txBody>
-          <a:bodyPr vert="horz" lIns="91440" tIns="45720" rIns="91440" bIns="45720" rtlCol="0" anchor="ctr">
+          <a:bodyPr anchor="ctr" bIns="45720" lIns="91440" rIns="91440" rtlCol="0" tIns="45720" vert="horz">
             <a:normAutofit/>
           </a:bodyPr>
           <a:lstStyle/>
           <a:p>
             <a:r>
-              <a:rPr lang="en-US" smtClean="0"/>
+              <a:rPr lang="en-US"/>
               <a:t>Click to edit Master title style</a:t>
             </a:r>
-            <a:endParaRPr lang="en-US"/>
           </a:p>
         </p:txBody>
       </p:sp>
@@ -2630,58 +2635,57 @@
             <a:spLocks noGrp="1"/>
           </p:cNvSpPr>
           <p:nvPr>
-            <p:ph type="body" idx="1"/>
+            <p:ph idx="1" type="body"/>
           </p:nvPr>
         </p:nvSpPr>
         <p:spPr>
           <a:xfrm>
-            <a:off x="457200" y="1600200"/>
-            <a:ext cx="8229600" cy="4525963"/>
+            <a:off x="457200" y="1200151"/>
+            <a:ext cx="8229600" cy="3394472"/>
           </a:xfrm>
           <a:prstGeom prst="rect">
             <a:avLst/>
           </a:prstGeom>
         </p:spPr>
         <p:txBody>
-          <a:bodyPr vert="horz" lIns="91440" tIns="45720" rIns="91440" bIns="45720" rtlCol="0">
+          <a:bodyPr bIns="45720" lIns="91440" rIns="91440" rtlCol="0" tIns="45720" vert="horz">
             <a:normAutofit/>
           </a:bodyPr>
           <a:lstStyle/>
           <a:p>
             <a:pPr lvl="0"/>
             <a:r>
-              <a:rPr lang="en-US" smtClean="0"/>
+              <a:rPr lang="en-US"/>
               <a:t>Click to edit Master text styles</a:t>
             </a:r>
           </a:p>
           <a:p>
             <a:pPr lvl="1"/>
             <a:r>
-              <a:rPr lang="en-US" smtClean="0"/>
+              <a:rPr lang="en-US"/>
               <a:t>Second level</a:t>
             </a:r>
           </a:p>
           <a:p>
             <a:pPr lvl="2"/>
             <a:r>
-              <a:rPr lang="en-US" smtClean="0"/>
+              <a:rPr lang="en-US"/>
               <a:t>Third level</a:t>
             </a:r>
           </a:p>
           <a:p>
             <a:pPr lvl="3"/>
             <a:r>
-              <a:rPr lang="en-US" smtClean="0"/>
+              <a:rPr lang="en-US"/>
               <a:t>Fourth level</a:t>
             </a:r>
           </a:p>
           <a:p>
             <a:pPr lvl="4"/>
             <a:r>
-              <a:rPr lang="en-US" smtClean="0"/>
+              <a:rPr lang="en-US"/>
               <a:t>Fifth level</a:t>
             </a:r>
-            <a:endParaRPr lang="en-US"/>
           </a:p>
         </p:txBody>
       </p:sp>
@@ -2692,23 +2696,23 @@
             <a:spLocks noGrp="1"/>
           </p:cNvSpPr>
           <p:nvPr>
-            <p:ph type="dt" sz="half" idx="2"/>
+            <p:ph idx="2" sz="half" type="dt"/>
           </p:nvPr>
         </p:nvSpPr>
         <p:spPr>
           <a:xfrm>
-            <a:off x="457200" y="6356350"/>
-            <a:ext cx="2133600" cy="365125"/>
+            <a:off x="457200" y="4767263"/>
+            <a:ext cx="2133600" cy="273844"/>
           </a:xfrm>
           <a:prstGeom prst="rect">
             <a:avLst/>
           </a:prstGeom>
         </p:spPr>
         <p:txBody>
-          <a:bodyPr vert="horz" lIns="91440" tIns="45720" rIns="91440" bIns="45720" rtlCol="0" anchor="ctr"/>
+          <a:bodyPr anchor="ctr" bIns="45720" lIns="91440" rIns="91440" rtlCol="0" tIns="45720" vert="horz"/>
           <a:lstStyle>
             <a:lvl1pPr algn="l">
-              <a:defRPr sz="1200">
+              <a:defRPr sz="900">
                 <a:solidFill>
                   <a:schemeClr val="tx1">
                     <a:tint val="75000"/>
@@ -2718,9 +2722,9 @@
             </a:lvl1pPr>
           </a:lstStyle>
           <a:p>
-            <a:fld id="{5BCAD085-E8A6-8845-BD4E-CB4CCA059FC4}" type="datetimeFigureOut">
+            <a:fld id="{241EB5C9-1307-BA42-ABA2-0BC069CD8E7F}" type="datetimeFigureOut">
               <a:rPr lang="en-US" smtClean="0"/>
-              <a:t>1/27/13</a:t>
+              <a:t>1/2/22</a:t>
             </a:fld>
             <a:endParaRPr lang="en-US"/>
           </a:p>
@@ -2733,23 +2737,23 @@
             <a:spLocks noGrp="1"/>
           </p:cNvSpPr>
           <p:nvPr>
-            <p:ph type="ftr" sz="quarter" idx="3"/>
+            <p:ph idx="3" sz="quarter" type="ftr"/>
           </p:nvPr>
         </p:nvSpPr>
         <p:spPr>
           <a:xfrm>
-            <a:off x="3124200" y="6356350"/>
-            <a:ext cx="2895600" cy="365125"/>
+            <a:off x="3124200" y="4767263"/>
+            <a:ext cx="2895600" cy="273844"/>
           </a:xfrm>
           <a:prstGeom prst="rect">
             <a:avLst/>
           </a:prstGeom>
         </p:spPr>
         <p:txBody>
-          <a:bodyPr vert="horz" lIns="91440" tIns="45720" rIns="91440" bIns="45720" rtlCol="0" anchor="ctr"/>
+          <a:bodyPr anchor="ctr" bIns="45720" lIns="91440" rIns="91440" rtlCol="0" tIns="45720" vert="horz"/>
           <a:lstStyle>
             <a:lvl1pPr algn="ctr">
-              <a:defRPr sz="1200">
+              <a:defRPr sz="900">
                 <a:solidFill>
                   <a:schemeClr val="tx1">
                     <a:tint val="75000"/>
@@ -2770,23 +2774,23 @@
             <a:spLocks noGrp="1"/>
           </p:cNvSpPr>
           <p:nvPr>
-            <p:ph type="sldNum" sz="quarter" idx="4"/>
+            <p:ph idx="4" sz="quarter" type="sldNum"/>
           </p:nvPr>
         </p:nvSpPr>
         <p:spPr>
           <a:xfrm>
-            <a:off x="6553200" y="6356350"/>
-            <a:ext cx="2133600" cy="365125"/>
+            <a:off x="6553200" y="4767263"/>
+            <a:ext cx="2133600" cy="273844"/>
           </a:xfrm>
           <a:prstGeom prst="rect">
             <a:avLst/>
           </a:prstGeom>
         </p:spPr>
         <p:txBody>
-          <a:bodyPr vert="horz" lIns="91440" tIns="45720" rIns="91440" bIns="45720" rtlCol="0" anchor="ctr"/>
+          <a:bodyPr anchor="ctr" bIns="45720" lIns="91440" rIns="91440" rtlCol="0" tIns="45720" vert="horz"/>
           <a:lstStyle>
             <a:lvl1pPr algn="r">
-              <a:defRPr sz="1200">
+              <a:defRPr sz="900">
                 <a:solidFill>
                   <a:schemeClr val="tx1">
                     <a:tint val="75000"/>
@@ -2796,7 +2800,7 @@
             </a:lvl1pPr>
           </a:lstStyle>
           <a:p>
-            <a:fld id="{C1FF6DA9-008F-8B48-92A6-B652298478BF}" type="slidenum">
+            <a:fld id="{C5EF2332-01BF-834F-8236-50238282D533}" type="slidenum">
               <a:rPr lang="en-US" smtClean="0"/>
               <a:t>‹#›</a:t>
             </a:fld>
@@ -2807,11 +2811,11 @@
     </p:spTree>
     <p:extLst>
       <p:ext uri="{BB962C8B-B14F-4D97-AF65-F5344CB8AC3E}">
-        <p14:creationId xmlns:p14="http://schemas.microsoft.com/office/powerpoint/2010/main" val="2209977519"/>
+        <p14:creationId xmlns:p14="http://schemas.microsoft.com/office/powerpoint/2010/main" val="3676200875"/>
       </p:ext>
     </p:extLst>
   </p:cSld>
-  <p:clrMap bg1="lt1" tx1="dk1" bg2="lt2" tx2="dk2" accent1="accent1" accent2="accent2" accent3="accent3" accent4="accent4" accent5="accent5" accent6="accent6" hlink="hlink" folHlink="folHlink"/>
+  <p:clrMap accent1="accent1" accent2="accent2" accent3="accent3" accent4="accent4" accent5="accent5" accent6="accent6" bg1="lt1" bg2="lt2" folHlink="folHlink" hlink="hlink" tx1="dk1" tx2="dk2"/>
   <p:sldLayoutIdLst>
     <p:sldLayoutId id="2147483649" r:id="rId1"/>
     <p:sldLayoutId id="2147483650" r:id="rId2"/>
@@ -2827,12 +2831,12 @@
   </p:sldLayoutIdLst>
   <p:txStyles>
     <p:titleStyle>
-      <a:lvl1pPr algn="ctr" defTabSz="457200" rtl="0" eaLnBrk="1" latinLnBrk="0" hangingPunct="1">
+      <a:lvl1pPr algn="ctr" defTabSz="342900" eaLnBrk="1" hangingPunct="1" latinLnBrk="0" rtl="0">
         <a:spcBef>
           <a:spcPct val="0"/>
         </a:spcBef>
         <a:buNone/>
-        <a:defRPr sz="4400" kern="1200">
+        <a:defRPr kern="1200" sz="3300">
           <a:solidFill>
             <a:schemeClr val="tx1"/>
           </a:solidFill>
@@ -2843,13 +2847,13 @@
       </a:lvl1pPr>
     </p:titleStyle>
     <p:bodyStyle>
-      <a:lvl1pPr marL="342900" indent="-342900" algn="l" defTabSz="457200" rtl="0" eaLnBrk="1" latinLnBrk="0" hangingPunct="1">
+      <a:lvl1pPr algn="l" defTabSz="342900" eaLnBrk="1" hangingPunct="1" indent="-342900" latinLnBrk="0" marL="342900" rtl="0">
         <a:spcBef>
           <a:spcPct val="20000"/>
         </a:spcBef>
         <a:buFont typeface="Arial"/>
         <a:buChar char="•"/>
-        <a:defRPr sz="3200" kern="1200">
+        <a:defRPr kern="1200" sz="2400">
           <a:solidFill>
             <a:schemeClr val="tx1"/>
           </a:solidFill>
@@ -2858,13 +2862,13 @@
           <a:cs typeface="+mn-cs"/>
         </a:defRPr>
       </a:lvl1pPr>
-      <a:lvl2pPr marL="742950" indent="-285750" algn="l" defTabSz="457200" rtl="0" eaLnBrk="1" latinLnBrk="0" hangingPunct="1">
+      <a:lvl2pPr algn="l" defTabSz="342900" eaLnBrk="1" hangingPunct="1" indent="-342900" latinLnBrk="0" marL="685800" rtl="0">
         <a:spcBef>
           <a:spcPct val="20000"/>
         </a:spcBef>
         <a:buFont typeface="Arial"/>
         <a:buChar char="–"/>
-        <a:defRPr sz="2800" kern="1200">
+        <a:defRPr kern="1200" sz="2100">
           <a:solidFill>
             <a:schemeClr val="tx1"/>
           </a:solidFill>
@@ -2873,13 +2877,13 @@
           <a:cs typeface="+mn-cs"/>
         </a:defRPr>
       </a:lvl2pPr>
-      <a:lvl3pPr marL="1143000" indent="-228600" algn="l" defTabSz="457200" rtl="0" eaLnBrk="1" latinLnBrk="0" hangingPunct="1">
+      <a:lvl3pPr algn="l" defTabSz="342900" eaLnBrk="1" hangingPunct="1" indent="-342900" latinLnBrk="0" marL="1028700" rtl="0">
         <a:spcBef>
           <a:spcPct val="20000"/>
         </a:spcBef>
         <a:buFont typeface="Arial"/>
         <a:buChar char="•"/>
-        <a:defRPr sz="2400" kern="1200">
+        <a:defRPr kern="1200" sz="1800">
           <a:solidFill>
             <a:schemeClr val="tx1"/>
           </a:solidFill>
@@ -2888,13 +2892,13 @@
           <a:cs typeface="+mn-cs"/>
         </a:defRPr>
       </a:lvl3pPr>
-      <a:lvl4pPr marL="1600200" indent="-228600" algn="l" defTabSz="457200" rtl="0" eaLnBrk="1" latinLnBrk="0" hangingPunct="1">
+      <a:lvl4pPr algn="l" defTabSz="342900" eaLnBrk="1" hangingPunct="1" indent="-342900" latinLnBrk="0" marL="1371600" rtl="0">
         <a:spcBef>
           <a:spcPct val="20000"/>
         </a:spcBef>
         <a:buFont typeface="Arial"/>
         <a:buChar char="–"/>
-        <a:defRPr sz="2000" kern="1200">
+        <a:defRPr kern="1200" sz="1500">
           <a:solidFill>
             <a:schemeClr val="tx1"/>
           </a:solidFill>
@@ -2903,13 +2907,13 @@
           <a:cs typeface="+mn-cs"/>
         </a:defRPr>
       </a:lvl4pPr>
-      <a:lvl5pPr marL="2057400" indent="-228600" algn="l" defTabSz="457200" rtl="0" eaLnBrk="1" latinLnBrk="0" hangingPunct="1">
+      <a:lvl5pPr algn="l" defTabSz="342900" eaLnBrk="1" hangingPunct="1" indent="-342900" latinLnBrk="0" marL="1714500" rtl="0">
         <a:spcBef>
           <a:spcPct val="20000"/>
         </a:spcBef>
         <a:buFont typeface="Arial"/>
         <a:buChar char="»"/>
-        <a:defRPr sz="2000" kern="1200">
+        <a:defRPr kern="1200" sz="1500">
           <a:solidFill>
             <a:schemeClr val="tx1"/>
           </a:solidFill>
@@ -2918,13 +2922,13 @@
           <a:cs typeface="+mn-cs"/>
         </a:defRPr>
       </a:lvl5pPr>
-      <a:lvl6pPr marL="2514600" indent="-228600" algn="l" defTabSz="457200" rtl="0" eaLnBrk="1" latinLnBrk="0" hangingPunct="1">
+      <a:lvl6pPr algn="l" defTabSz="342900" eaLnBrk="1" hangingPunct="1" indent="-342900" latinLnBrk="0" marL="2057400" rtl="0">
         <a:spcBef>
           <a:spcPct val="20000"/>
         </a:spcBef>
         <a:buFont typeface="Arial"/>
         <a:buChar char="•"/>
-        <a:defRPr sz="2000" kern="1200">
+        <a:defRPr kern="1200" sz="1500">
           <a:solidFill>
             <a:schemeClr val="tx1"/>
           </a:solidFill>
@@ -2933,13 +2937,13 @@
           <a:cs typeface="+mn-cs"/>
         </a:defRPr>
       </a:lvl6pPr>
-      <a:lvl7pPr marL="2971800" indent="-228600" algn="l" defTabSz="457200" rtl="0" eaLnBrk="1" latinLnBrk="0" hangingPunct="1">
+      <a:lvl7pPr algn="l" defTabSz="342900" eaLnBrk="1" hangingPunct="1" indent="-342900" latinLnBrk="0" marL="2400300" rtl="0">
         <a:spcBef>
           <a:spcPct val="20000"/>
         </a:spcBef>
         <a:buFont typeface="Arial"/>
         <a:buChar char="•"/>
-        <a:defRPr sz="2000" kern="1200">
+        <a:defRPr kern="1200" sz="1500">
           <a:solidFill>
             <a:schemeClr val="tx1"/>
           </a:solidFill>
@@ -2948,13 +2952,13 @@
           <a:cs typeface="+mn-cs"/>
         </a:defRPr>
       </a:lvl7pPr>
-      <a:lvl8pPr marL="3429000" indent="-228600" algn="l" defTabSz="457200" rtl="0" eaLnBrk="1" latinLnBrk="0" hangingPunct="1">
+      <a:lvl8pPr algn="l" defTabSz="342900" eaLnBrk="1" hangingPunct="1" indent="-342900" latinLnBrk="0" marL="2743200" rtl="0">
         <a:spcBef>
           <a:spcPct val="20000"/>
         </a:spcBef>
         <a:buFont typeface="Arial"/>
         <a:buChar char="•"/>
-        <a:defRPr sz="2000" kern="1200">
+        <a:defRPr kern="1200" sz="1500">
           <a:solidFill>
             <a:schemeClr val="tx1"/>
           </a:solidFill>
@@ -2963,13 +2967,13 @@
           <a:cs typeface="+mn-cs"/>
         </a:defRPr>
       </a:lvl8pPr>
-      <a:lvl9pPr marL="3886200" indent="-228600" algn="l" defTabSz="457200" rtl="0" eaLnBrk="1" latinLnBrk="0" hangingPunct="1">
+      <a:lvl9pPr algn="l" defTabSz="342900" eaLnBrk="1" hangingPunct="1" indent="-342900" latinLnBrk="0" marL="3086100" rtl="0">
         <a:spcBef>
           <a:spcPct val="20000"/>
         </a:spcBef>
         <a:buFont typeface="Arial"/>
         <a:buChar char="•"/>
-        <a:defRPr sz="2000" kern="1200">
+        <a:defRPr kern="1200" sz="1500">
           <a:solidFill>
             <a:schemeClr val="tx1"/>
           </a:solidFill>
@@ -2983,8 +2987,8 @@
       <a:defPPr>
         <a:defRPr lang="en-US"/>
       </a:defPPr>
-      <a:lvl1pPr marL="0" algn="l" defTabSz="457200" rtl="0" eaLnBrk="1" latinLnBrk="0" hangingPunct="1">
-        <a:defRPr sz="1800" kern="1200">
+      <a:lvl1pPr algn="l" defTabSz="342900" eaLnBrk="1" hangingPunct="1" latinLnBrk="0" marL="0" rtl="0">
+        <a:defRPr kern="1200" sz="1350">
           <a:solidFill>
             <a:schemeClr val="tx1"/>
           </a:solidFill>
@@ -2993,8 +2997,8 @@
           <a:cs typeface="+mn-cs"/>
         </a:defRPr>
       </a:lvl1pPr>
-      <a:lvl2pPr marL="457200" algn="l" defTabSz="457200" rtl="0" eaLnBrk="1" latinLnBrk="0" hangingPunct="1">
-        <a:defRPr sz="1800" kern="1200">
+      <a:lvl2pPr algn="l" defTabSz="342900" eaLnBrk="1" hangingPunct="1" latinLnBrk="0" marL="342900" rtl="0">
+        <a:defRPr kern="1200" sz="1350">
           <a:solidFill>
             <a:schemeClr val="tx1"/>
           </a:solidFill>
@@ -3003,8 +3007,8 @@
           <a:cs typeface="+mn-cs"/>
         </a:defRPr>
       </a:lvl2pPr>
-      <a:lvl3pPr marL="914400" algn="l" defTabSz="457200" rtl="0" eaLnBrk="1" latinLnBrk="0" hangingPunct="1">
-        <a:defRPr sz="1800" kern="1200">
+      <a:lvl3pPr algn="l" defTabSz="342900" eaLnBrk="1" hangingPunct="1" latinLnBrk="0" marL="685800" rtl="0">
+        <a:defRPr kern="1200" sz="1350">
           <a:solidFill>
             <a:schemeClr val="tx1"/>
           </a:solidFill>
@@ -3013,8 +3017,8 @@
           <a:cs typeface="+mn-cs"/>
         </a:defRPr>
       </a:lvl3pPr>
-      <a:lvl4pPr marL="1371600" algn="l" defTabSz="457200" rtl="0" eaLnBrk="1" latinLnBrk="0" hangingPunct="1">
-        <a:defRPr sz="1800" kern="1200">
+      <a:lvl4pPr algn="l" defTabSz="342900" eaLnBrk="1" hangingPunct="1" latinLnBrk="0" marL="1028700" rtl="0">
+        <a:defRPr kern="1200" sz="1350">
           <a:solidFill>
             <a:schemeClr val="tx1"/>
           </a:solidFill>
@@ -3023,8 +3027,8 @@
           <a:cs typeface="+mn-cs"/>
         </a:defRPr>
       </a:lvl4pPr>
-      <a:lvl5pPr marL="1828800" algn="l" defTabSz="457200" rtl="0" eaLnBrk="1" latinLnBrk="0" hangingPunct="1">
-        <a:defRPr sz="1800" kern="1200">
+      <a:lvl5pPr algn="l" defTabSz="342900" eaLnBrk="1" hangingPunct="1" latinLnBrk="0" marL="1371600" rtl="0">
+        <a:defRPr kern="1200" sz="1350">
           <a:solidFill>
             <a:schemeClr val="tx1"/>
           </a:solidFill>
@@ -3033,8 +3037,8 @@
           <a:cs typeface="+mn-cs"/>
         </a:defRPr>
       </a:lvl5pPr>
-      <a:lvl6pPr marL="2286000" algn="l" defTabSz="457200" rtl="0" eaLnBrk="1" latinLnBrk="0" hangingPunct="1">
-        <a:defRPr sz="1800" kern="1200">
+      <a:lvl6pPr algn="l" defTabSz="342900" eaLnBrk="1" hangingPunct="1" latinLnBrk="0" marL="1714500" rtl="0">
+        <a:defRPr kern="1200" sz="1350">
           <a:solidFill>
             <a:schemeClr val="tx1"/>
           </a:solidFill>
@@ -3043,8 +3047,8 @@
           <a:cs typeface="+mn-cs"/>
         </a:defRPr>
       </a:lvl6pPr>
-      <a:lvl7pPr marL="2743200" algn="l" defTabSz="457200" rtl="0" eaLnBrk="1" latinLnBrk="0" hangingPunct="1">
-        <a:defRPr sz="1800" kern="1200">
+      <a:lvl7pPr algn="l" defTabSz="342900" eaLnBrk="1" hangingPunct="1" latinLnBrk="0" marL="2057400" rtl="0">
+        <a:defRPr kern="1200" sz="1350">
           <a:solidFill>
             <a:schemeClr val="tx1"/>
           </a:solidFill>
@@ -3053,8 +3057,8 @@
           <a:cs typeface="+mn-cs"/>
         </a:defRPr>
       </a:lvl7pPr>
-      <a:lvl8pPr marL="3200400" algn="l" defTabSz="457200" rtl="0" eaLnBrk="1" latinLnBrk="0" hangingPunct="1">
-        <a:defRPr sz="1800" kern="1200">
+      <a:lvl8pPr algn="l" defTabSz="342900" eaLnBrk="1" hangingPunct="1" latinLnBrk="0" marL="2400300" rtl="0">
+        <a:defRPr kern="1200" sz="1350">
           <a:solidFill>
             <a:schemeClr val="tx1"/>
           </a:solidFill>
@@ -3063,8 +3067,8 @@
           <a:cs typeface="+mn-cs"/>
         </a:defRPr>
       </a:lvl8pPr>
-      <a:lvl9pPr marL="3657600" algn="l" defTabSz="457200" rtl="0" eaLnBrk="1" latinLnBrk="0" hangingPunct="1">
-        <a:defRPr sz="1800" kern="1200">
+      <a:lvl9pPr algn="l" defTabSz="342900" eaLnBrk="1" hangingPunct="1" latinLnBrk="0" marL="2743200" rtl="0">
+        <a:defRPr kern="1200" sz="1350">
           <a:solidFill>
             <a:schemeClr val="tx1"/>
           </a:solidFill>
@@ -3079,7 +3083,7 @@
 </file>
 
 <file path=ppt/slides/slide1.xml><?xml version="1.0" encoding="utf-8"?>
-<p:sld xmlns:a="http://schemas.openxmlformats.org/drawingml/2006/main" xmlns:p="http://schemas.openxmlformats.org/presentationml/2006/main" xmlns:r="http://schemas.openxmlformats.org/officeDocument/2006/relationships">
+<p:sld xmlns:a="http://schemas.openxmlformats.org/drawingml/2006/main" xmlns:r="http://schemas.openxmlformats.org/officeDocument/2006/relationships" xmlns:p="http://schemas.openxmlformats.org/presentationml/2006/main">
   <p:cSld>
     <p:spTree>
       <p:nvGrpSpPr>
@@ -3087,65 +3091,2415 @@
         <p:cNvGrpSpPr/>
         <p:nvPr/>
       </p:nvGrpSpPr>
-      <p:grpSpPr/>
-      <p:sp>
-        <p:nvSpPr>
-          <p:cNvPr id="2" name="Title 1"/>
-          <p:cNvSpPr>
-            <a:spLocks noGrp="1"/>
-          </p:cNvSpPr>
-          <p:nvPr>
-            <p:ph type="title"/>
+      <p:grpSpPr>
+        <a:xfrm>
+          <a:off x="0" y="0"/>
+          <a:ext cx="0" cy="0"/>
+          <a:chOff x="0" y="0"/>
+          <a:chExt cx="0" cy="0"/>
+        </a:xfrm>
+      </p:grpSpPr>
+      <p:sp>
+        <p:nvSpPr>
+          <p:cNvPr id="3" name="Content Placeholder 2"/>
+          <p:cNvSpPr>
+            <a:spLocks noGrp="1"/>
+          </p:cNvSpPr>
+          <p:nvPr>
+            <p:ph idx="1"/>
           </p:nvPr>
         </p:nvSpPr>
         <p:spPr/>
         <p:txBody>
           <a:bodyPr/>
           <a:lstStyle/>
-          <a:p/>
-        </p:txBody>
-      </p:sp>
-      <p:pic>
-        <p:nvPicPr>
-          <p:cNvPr id="3" name="Picture Placeholder 2" descr="header.png"/>
-          <p:cNvPicPr>
-            <a:picLocks noGrp="1" noChangeAspect="1"/>
-          </p:cNvPicPr>
-          <p:nvPr>
-            <p:ph type="pic" idx="1"/>
-          </p:nvPr>
-        </p:nvPicPr>
-        <p:blipFill>
-          <a:blip r:embed="rId2"/>
-          <a:srcRect l="32421" r="32421"/>
-          <a:stretch>
-            <a:fillRect/>
-          </a:stretch>
-        </p:blipFill>
-        <p:spPr/>
-      </p:pic>
-      <p:sp>
-        <p:nvSpPr>
-          <p:cNvPr id="4" name="Text Placeholder 3"/>
-          <p:cNvSpPr>
-            <a:spLocks noGrp="1"/>
-          </p:cNvSpPr>
-          <p:nvPr>
-            <p:ph type="body" idx="2" sz="half"/>
-          </p:nvPr>
-        </p:nvSpPr>
-        <p:spPr/>
-        <p:txBody>
-          <a:bodyPr/>
-          <a:lstStyle/>
-          <a:p/>
+          <a:p>
+            <a:pPr lvl="0"/>
+            <a:r>
+              <a:rPr/>
+              <a:t>10 minutes</a:t>
+            </a:r>
+          </a:p>
         </p:txBody>
       </p:sp>
     </p:spTree>
   </p:cSld>
-  <p:clrMapOvr>
-    <a:masterClrMapping/>
-  </p:clrMapOvr>
+</p:sld>
+</file>
+
+<file path=ppt/slides/slide10.xml><?xml version="1.0" encoding="utf-8"?>
+<p:sld xmlns:a="http://schemas.openxmlformats.org/drawingml/2006/main" xmlns:r="http://schemas.openxmlformats.org/officeDocument/2006/relationships" xmlns:p="http://schemas.openxmlformats.org/presentationml/2006/main">
+  <p:cSld>
+    <p:spTree>
+      <p:nvGrpSpPr>
+        <p:cNvPr id="1" name=""/>
+        <p:cNvGrpSpPr/>
+        <p:nvPr/>
+      </p:nvGrpSpPr>
+      <p:grpSpPr>
+        <a:xfrm>
+          <a:off x="0" y="0"/>
+          <a:ext cx="0" cy="0"/>
+          <a:chOff x="0" y="0"/>
+          <a:chExt cx="0" cy="0"/>
+        </a:xfrm>
+      </p:grpSpPr>
+      <p:sp>
+        <p:nvSpPr>
+          <p:cNvPr id="2" name="Title 1"/>
+          <p:cNvSpPr>
+            <a:spLocks noGrp="1"/>
+          </p:cNvSpPr>
+          <p:nvPr>
+            <p:ph type="title"/>
+          </p:nvPr>
+        </p:nvSpPr>
+        <p:spPr/>
+        <p:txBody>
+          <a:bodyPr/>
+          <a:lstStyle/>
+          <a:p>
+            <a:pPr lvl="0" indent="0" marL="0">
+              <a:buNone/>
+            </a:pPr>
+            <a:r>
+              <a:rPr/>
+              <a:t>Check your knowledge</a:t>
+            </a:r>
+          </a:p>
+        </p:txBody>
+      </p:sp>
+    </p:spTree>
+  </p:cSld>
+</p:sld>
+</file>
+
+<file path=ppt/slides/slide2.xml><?xml version="1.0" encoding="utf-8"?>
+<p:sld xmlns:a="http://schemas.openxmlformats.org/drawingml/2006/main" xmlns:r="http://schemas.openxmlformats.org/officeDocument/2006/relationships" xmlns:p="http://schemas.openxmlformats.org/presentationml/2006/main">
+  <p:cSld>
+    <p:spTree>
+      <p:nvGrpSpPr>
+        <p:cNvPr id="1" name=""/>
+        <p:cNvGrpSpPr/>
+        <p:nvPr/>
+      </p:nvGrpSpPr>
+      <p:grpSpPr>
+        <a:xfrm>
+          <a:off x="0" y="0"/>
+          <a:ext cx="0" cy="0"/>
+          <a:chOff x="0" y="0"/>
+          <a:chExt cx="0" cy="0"/>
+        </a:xfrm>
+      </p:grpSpPr>
+      <p:sp>
+        <p:nvSpPr>
+          <p:cNvPr id="2" name="Title 1"/>
+          <p:cNvSpPr>
+            <a:spLocks noGrp="1"/>
+          </p:cNvSpPr>
+          <p:nvPr>
+            <p:ph type="title"/>
+          </p:nvPr>
+        </p:nvSpPr>
+        <p:spPr/>
+        <p:txBody>
+          <a:bodyPr/>
+          <a:lstStyle/>
+          <a:p>
+            <a:pPr lvl="0" indent="0" marL="0">
+              <a:buNone/>
+            </a:pPr>
+            <a:r>
+              <a:rPr/>
+              <a:t>Built-in roles for Azure Resources (uses PowerShell)</a:t>
+            </a:r>
+          </a:p>
+        </p:txBody>
+      </p:sp>
+      <p:sp>
+        <p:nvSpPr>
+          <p:cNvPr id="3" name="Content Placeholder 2"/>
+          <p:cNvSpPr>
+            <a:spLocks noGrp="1"/>
+          </p:cNvSpPr>
+          <p:nvPr>
+            <p:ph idx="1"/>
+          </p:nvPr>
+        </p:nvSpPr>
+        <p:spPr/>
+        <p:txBody>
+          <a:bodyPr/>
+          <a:lstStyle/>
+          <a:p>
+            <a:pPr lvl="0" indent="0" marL="0">
+              <a:buNone/>
+            </a:pPr>
+            <a:r>
+              <a:rPr/>
+              <a:t>Azure AD provides several </a:t>
+            </a:r>
+            <a:r>
+              <a:rPr i="1"/>
+              <a:t>built-in roles</a:t>
+            </a:r>
+            <a:r>
+              <a:rPr/>
+              <a:t> to cover the most common security scenarios. To understand how the roles work, let’s examine three roles that apply to all resource types:</a:t>
+            </a:r>
+          </a:p>
+          <a:p>
+            <a:pPr lvl="0"/>
+            <a:r>
+              <a:rPr b="1"/>
+              <a:t>Owner</a:t>
+            </a:r>
+            <a:r>
+              <a:rPr/>
+              <a:t>, which has full access to all resources, including the right to delegate access to others.</a:t>
+            </a:r>
+          </a:p>
+          <a:p>
+            <a:pPr lvl="0"/>
+            <a:r>
+              <a:rPr b="1"/>
+              <a:t>Contributor</a:t>
+            </a:r>
+            <a:r>
+              <a:rPr/>
+              <a:t>, which can create and manage all types of Azure resources but can’t grant access to others.</a:t>
+            </a:r>
+          </a:p>
+          <a:p>
+            <a:pPr lvl="0"/>
+            <a:r>
+              <a:rPr b="1"/>
+              <a:t>Reader</a:t>
+            </a:r>
+            <a:r>
+              <a:rPr/>
+              <a:t>, which can view existing Azure resources.</a:t>
+            </a:r>
+          </a:p>
+        </p:txBody>
+      </p:sp>
+    </p:spTree>
+  </p:cSld>
+</p:sld>
+</file>
+
+<file path=ppt/slides/slide3.xml><?xml version="1.0" encoding="utf-8"?>
+<p:sld xmlns:a="http://schemas.openxmlformats.org/drawingml/2006/main" xmlns:r="http://schemas.openxmlformats.org/officeDocument/2006/relationships" xmlns:p="http://schemas.openxmlformats.org/presentationml/2006/main">
+  <p:cSld>
+    <p:spTree>
+      <p:nvGrpSpPr>
+        <p:cNvPr id="1" name=""/>
+        <p:cNvGrpSpPr/>
+        <p:nvPr/>
+      </p:nvGrpSpPr>
+      <p:grpSpPr>
+        <a:xfrm>
+          <a:off x="0" y="0"/>
+          <a:ext cx="0" cy="0"/>
+          <a:chOff x="0" y="0"/>
+          <a:chExt cx="0" cy="0"/>
+        </a:xfrm>
+      </p:grpSpPr>
+      <p:sp>
+        <p:nvSpPr>
+          <p:cNvPr id="2" name="Title 1"/>
+          <p:cNvSpPr>
+            <a:spLocks noGrp="1"/>
+          </p:cNvSpPr>
+          <p:nvPr>
+            <p:ph type="title"/>
+          </p:nvPr>
+        </p:nvSpPr>
+        <p:spPr/>
+        <p:txBody>
+          <a:bodyPr/>
+          <a:lstStyle/>
+          <a:p>
+            <a:pPr lvl="0" indent="0" marL="0">
+              <a:buNone/>
+            </a:pPr>
+            <a:r>
+              <a:rPr/>
+              <a:t>Role definitions</a:t>
+            </a:r>
+          </a:p>
+        </p:txBody>
+      </p:sp>
+      <p:sp>
+        <p:nvSpPr>
+          <p:cNvPr id="3" name="Content Placeholder 2"/>
+          <p:cNvSpPr>
+            <a:spLocks noGrp="1"/>
+          </p:cNvSpPr>
+          <p:nvPr>
+            <p:ph idx="1"/>
+          </p:nvPr>
+        </p:nvSpPr>
+        <p:spPr/>
+        <p:txBody>
+          <a:bodyPr/>
+          <a:lstStyle/>
+          <a:p>
+            <a:pPr lvl="0" indent="0" marL="0">
+              <a:buNone/>
+            </a:pPr>
+            <a:r>
+              <a:rPr/>
+              <a:t>Each role is a set of properties defined in a JavaScript Object Notation (JSON) file. This role definition includes a </a:t>
+            </a:r>
+            <a:r>
+              <a:rPr b="1"/>
+              <a:t>Name</a:t>
+            </a:r>
+            <a:r>
+              <a:rPr/>
+              <a:t>, </a:t>
+            </a:r>
+            <a:r>
+              <a:rPr b="1"/>
+              <a:t>ID</a:t>
+            </a:r>
+            <a:r>
+              <a:rPr/>
+              <a:t>, and </a:t>
+            </a:r>
+            <a:r>
+              <a:rPr b="1"/>
+              <a:t>Description</a:t>
+            </a:r>
+            <a:r>
+              <a:rPr/>
+              <a:t>. It also includes the allowable permissions (</a:t>
+            </a:r>
+            <a:r>
+              <a:rPr b="1"/>
+              <a:t>Actions</a:t>
+            </a:r>
+            <a:r>
+              <a:rPr/>
+              <a:t>), denied permissions (</a:t>
+            </a:r>
+            <a:r>
+              <a:rPr b="1"/>
+              <a:t>NotActions</a:t>
+            </a:r>
+            <a:r>
+              <a:rPr/>
+              <a:t>), and scope (for example, read access) for the role.</a:t>
+            </a:r>
+          </a:p>
+          <a:p>
+            <a:pPr lvl="0" indent="0" marL="0">
+              <a:buNone/>
+            </a:pPr>
+            <a:r>
+              <a:rPr/>
+              <a:t>For the Owner role, that means all actions, indicated by an asterisk (*); no denied actions; and all scopes, indicated by a forward slash (/).</a:t>
+            </a:r>
+          </a:p>
+          <a:p>
+            <a:pPr lvl="0" indent="0" marL="0">
+              <a:buNone/>
+            </a:pPr>
+            <a:r>
+              <a:rPr/>
+              <a:t>You can get this information using the PowerShell </a:t>
+            </a:r>
+            <a:r>
+              <a:rPr>
+                <a:latin typeface="Courier"/>
+              </a:rPr>
+              <a:t>Get-AzRoleDefinition Owner</a:t>
+            </a:r>
+            <a:r>
+              <a:rPr/>
+              <a:t> cmdlet.</a:t>
+            </a:r>
+          </a:p>
+          <a:p>
+            <a:pPr lvl="0" indent="0">
+              <a:buNone/>
+            </a:pPr>
+            <a:r>
+              <a:rPr>
+                <a:latin typeface="Courier"/>
+              </a:rPr>
+              <a:t>Get-AzRoleDefinition Owner</a:t>
+            </a:r>
+          </a:p>
+          <a:p>
+            <a:pPr lvl="0" indent="0" marL="0">
+              <a:buNone/>
+            </a:pPr>
+            <a:r>
+              <a:rPr/>
+              <a:t>This code should produce the following output:</a:t>
+            </a:r>
+          </a:p>
+          <a:p>
+            <a:pPr lvl="0" indent="0">
+              <a:buNone/>
+            </a:pPr>
+            <a:r>
+              <a:rPr>
+                <a:latin typeface="Courier"/>
+              </a:rPr>
+              <a:t>Name             : Owner
+Id               : 8e3af657-a8ff-443c-a75c-2fe8c4bcb635
+IsCustom         : False
+Description      : Lets you manage everything, including access to resources.
+Actions          : {*}
+NotActions       : {}
+DataActions      : {}
+NotDataActions   : {}
+AssignableScopes : {/}</a:t>
+            </a:r>
+          </a:p>
+          <a:p>
+            <a:pPr lvl="0" indent="0" marL="0">
+              <a:buNone/>
+            </a:pPr>
+            <a:r>
+              <a:rPr/>
+              <a:t>Try the same for the </a:t>
+            </a:r>
+            <a:r>
+              <a:rPr b="1"/>
+              <a:t>Contributor</a:t>
+            </a:r>
+            <a:r>
+              <a:rPr/>
+              <a:t> and </a:t>
+            </a:r>
+            <a:r>
+              <a:rPr b="1"/>
+              <a:t>Reader</a:t>
+            </a:r>
+            <a:r>
+              <a:rPr/>
+              <a:t> roles to see the actions allowed and denied.</a:t>
+            </a:r>
+          </a:p>
+        </p:txBody>
+      </p:sp>
+    </p:spTree>
+  </p:cSld>
+</p:sld>
+</file>
+
+<file path=ppt/slides/slide4.xml><?xml version="1.0" encoding="utf-8"?>
+<p:sld xmlns:a="http://schemas.openxmlformats.org/drawingml/2006/main" xmlns:r="http://schemas.openxmlformats.org/officeDocument/2006/relationships" xmlns:p="http://schemas.openxmlformats.org/presentationml/2006/main">
+  <p:cSld>
+    <p:spTree>
+      <p:nvGrpSpPr>
+        <p:cNvPr id="1" name=""/>
+        <p:cNvGrpSpPr/>
+        <p:nvPr/>
+      </p:nvGrpSpPr>
+      <p:grpSpPr>
+        <a:xfrm>
+          <a:off x="0" y="0"/>
+          <a:ext cx="0" cy="0"/>
+          <a:chOff x="0" y="0"/>
+          <a:chExt cx="0" cy="0"/>
+        </a:xfrm>
+      </p:grpSpPr>
+      <p:sp>
+        <p:nvSpPr>
+          <p:cNvPr id="2" name="Title 1"/>
+          <p:cNvSpPr>
+            <a:spLocks noGrp="1"/>
+          </p:cNvSpPr>
+          <p:nvPr>
+            <p:ph type="title"/>
+          </p:nvPr>
+        </p:nvSpPr>
+        <p:spPr/>
+        <p:txBody>
+          <a:bodyPr/>
+          <a:lstStyle/>
+          <a:p>
+            <a:pPr lvl="0" indent="0" marL="0">
+              <a:buNone/>
+            </a:pPr>
+            <a:r>
+              <a:rPr/>
+              <a:t>Examine the built-in roles</a:t>
+            </a:r>
+          </a:p>
+        </p:txBody>
+      </p:sp>
+      <p:sp>
+        <p:nvSpPr>
+          <p:cNvPr id="3" name="Content Placeholder 2"/>
+          <p:cNvSpPr>
+            <a:spLocks noGrp="1"/>
+          </p:cNvSpPr>
+          <p:nvPr>
+            <p:ph idx="1"/>
+          </p:nvPr>
+        </p:nvSpPr>
+        <p:spPr/>
+        <p:txBody>
+          <a:bodyPr/>
+          <a:lstStyle/>
+          <a:p>
+            <a:pPr lvl="0" indent="0" marL="0">
+              <a:buNone/>
+            </a:pPr>
+            <a:r>
+              <a:rPr/>
+              <a:t>Next, let’s explore some of the other built-in roles.</a:t>
+            </a:r>
+          </a:p>
+          <a:p>
+            <a:pPr lvl="0" indent="-342900" marL="342900">
+              <a:buAutoNum type="arabicPeriod"/>
+            </a:pPr>
+            <a:r>
+              <a:rPr/>
+              <a:t>Open the </a:t>
+            </a:r>
+            <a:r>
+              <a:rPr>
+                <a:hlinkClick r:id="rId2"/>
+              </a:rPr>
+              <a:t>Azure portal</a:t>
+            </a:r>
+            <a:r>
+              <a:rPr/>
+              <a:t>.</a:t>
+            </a:r>
+          </a:p>
+          <a:p>
+            <a:pPr lvl="0" indent="-342900" marL="342900">
+              <a:buAutoNum type="arabicPeriod"/>
+            </a:pPr>
+            <a:r>
+              <a:rPr/>
+              <a:t>On the Azure home page, under </a:t>
+            </a:r>
+            <a:r>
+              <a:rPr b="1"/>
+              <a:t>Navigate</a:t>
+            </a:r>
+            <a:r>
+              <a:rPr/>
+              <a:t>, select </a:t>
+            </a:r>
+            <a:r>
+              <a:rPr b="1"/>
+              <a:t>Resource groups</a:t>
+            </a:r>
+            <a:r>
+              <a:rPr/>
+              <a:t>.</a:t>
+            </a:r>
+          </a:p>
+          <a:p>
+            <a:pPr lvl="0" indent="-342900" marL="342900">
+              <a:buAutoNum type="arabicPeriod"/>
+            </a:pPr>
+            <a:r>
+              <a:rPr/>
+              <a:t>Select a resource group. Your </a:t>
+            </a:r>
+            <a:r>
+              <a:rPr i="1"/>
+              <a:t>resource group</a:t>
+            </a:r>
+            <a:r>
+              <a:rPr/>
+              <a:t> pane appears.</a:t>
+            </a:r>
+          </a:p>
+          <a:p>
+            <a:pPr lvl="0" indent="-342900" marL="342900">
+              <a:buAutoNum type="arabicPeriod"/>
+            </a:pPr>
+            <a:r>
+              <a:rPr/>
+              <a:t>In the left menu pane, select the </a:t>
+            </a:r>
+            <a:r>
+              <a:rPr b="1"/>
+              <a:t>Access control (IAM)</a:t>
+            </a:r>
+            <a:r>
+              <a:rPr/>
+              <a:t>. The </a:t>
+            </a:r>
+            <a:r>
+              <a:rPr b="1"/>
+              <a:t>Access control (IAM)</a:t>
+            </a:r>
+            <a:r>
+              <a:rPr/>
+              <a:t> pane appears for your resource group.</a:t>
+            </a:r>
+          </a:p>
+          <a:p>
+            <a:pPr lvl="0" indent="-342900" marL="342900">
+              <a:buAutoNum type="arabicPeriod"/>
+            </a:pPr>
+            <a:r>
+              <a:rPr/>
+              <a:t>On the interior menu bar, select the </a:t>
+            </a:r>
+            <a:r>
+              <a:rPr b="1"/>
+              <a:t>Roles</a:t>
+            </a:r>
+            <a:r>
+              <a:rPr/>
+              <a:t> tab as follows to see the list of available roles.</a:t>
+            </a:r>
+          </a:p>
+          <a:p>
+            <a:pPr lvl="1" indent="0" marL="342900">
+              <a:buNone/>
+            </a:pPr>
+            <a:r>
+              <a:rPr/>
+              <a:t>Screenshot showing the roles in the portal.</a:t>
+            </a:r>
+          </a:p>
+        </p:txBody>
+      </p:sp>
+    </p:spTree>
+  </p:cSld>
+</p:sld>
+</file>
+
+<file path=ppt/slides/slide5.xml><?xml version="1.0" encoding="utf-8"?>
+<p:sld xmlns:a="http://schemas.openxmlformats.org/drawingml/2006/main" xmlns:r="http://schemas.openxmlformats.org/officeDocument/2006/relationships" xmlns:p="http://schemas.openxmlformats.org/presentationml/2006/main">
+  <p:cSld>
+    <p:spTree>
+      <p:nvGrpSpPr>
+        <p:cNvPr id="1" name=""/>
+        <p:cNvGrpSpPr/>
+        <p:nvPr/>
+      </p:nvGrpSpPr>
+      <p:grpSpPr>
+        <a:xfrm>
+          <a:off x="0" y="0"/>
+          <a:ext cx="0" cy="0"/>
+          <a:chOff x="0" y="0"/>
+          <a:chExt cx="0" cy="0"/>
+        </a:xfrm>
+      </p:grpSpPr>
+      <p:sp>
+        <p:nvSpPr>
+          <p:cNvPr id="2" name="Title 1"/>
+          <p:cNvSpPr>
+            <a:spLocks noGrp="1"/>
+          </p:cNvSpPr>
+          <p:nvPr>
+            <p:ph type="title"/>
+          </p:nvPr>
+        </p:nvSpPr>
+        <p:spPr>
+          <a:xfrm>
+            <a:off x="457201" y="204787"/>
+            <a:ext cx="3008313" cy="871538"/>
+          </a:xfrm>
+        </p:spPr>
+        <p:txBody>
+          <a:bodyPr/>
+          <a:lstStyle/>
+          <a:p>
+            <a:pPr lvl="0" indent="0" marL="0">
+              <a:buNone/>
+            </a:pPr>
+            <a:r>
+              <a:rPr/>
+              <a:t>What’s a role definition?</a:t>
+            </a:r>
+          </a:p>
+        </p:txBody>
+      </p:sp>
+      <p:sp>
+        <p:nvSpPr>
+          <p:cNvPr id="4" name="Text Placeholder 3"/>
+          <p:cNvSpPr>
+            <a:spLocks noGrp="1"/>
+          </p:cNvSpPr>
+          <p:nvPr>
+            <p:ph idx="2" sz="half" type="body"/>
+          </p:nvPr>
+        </p:nvSpPr>
+        <p:spPr/>
+        <p:txBody>
+          <a:bodyPr/>
+          <a:lstStyle/>
+          <a:p>
+            <a:pPr lvl="0" indent="0" marL="0">
+              <a:buNone/>
+            </a:pPr>
+            <a:r>
+              <a:rPr/>
+              <a:t>A role definition is a collection of permissions. A role definition lists the operations that can be performed, such as </a:t>
+            </a:r>
+            <a:r>
+              <a:rPr b="1"/>
+              <a:t>read, write, and delete</a:t>
+            </a:r>
+            <a:r>
+              <a:rPr/>
+              <a:t>. It can also list the operations that can’t be performed or operations related to underlying data.</a:t>
+            </a:r>
+          </a:p>
+          <a:p>
+            <a:pPr lvl="0" indent="0" marL="0">
+              <a:buNone/>
+            </a:pPr>
+            <a:r>
+              <a:rPr/>
+              <a:t>As previously described, a role definition has the following structure.</a:t>
+            </a:r>
+          </a:p>
+        </p:txBody>
+      </p:sp>
+      <p:graphicFrame>
+        <p:nvGraphicFramePr>
+          <p:cNvPr id="6" name="Content Placeholder 5"/>
+          <p:cNvGraphicFramePr>
+            <a:graphicFrameLocks noGrp="1"/>
+          </p:cNvGraphicFramePr>
+          <p:nvPr>
+            <p:ph idx="1"/>
+          </p:nvPr>
+        </p:nvGraphicFramePr>
+        <p:xfrm>
+          <a:off x="3568700" y="203200"/>
+          <a:ext cx="5105400" cy="4381500"/>
+        </p:xfrm>
+        <a:graphic>
+          <a:graphicData uri="http://schemas.openxmlformats.org/drawingml/2006/table">
+            <a:tbl>
+              <a:tblPr firstRow="1" bandRow="1">
+                <a:tableStyleId>{5C22544A-7EE6-4342-B048-85BDC9FD1C3A}</a:tableStyleId>
+              </a:tblPr>
+              <a:tblGrid>
+                <a:gridCol w="2552700"/>
+                <a:gridCol w="2552700"/>
+              </a:tblGrid>
+              <a:tr h="0">
+                <a:tc>
+                  <a:txBody>
+                    <a:bodyPr/>
+                    <a:lstStyle/>
+                    <a:p>
+                      <a:pPr lvl="0" indent="0" marL="0">
+                        <a:buNone/>
+                      </a:pPr>
+                      <a:r>
+                        <a:rPr/>
+                        <a:t>Name</a:t>
+                      </a:r>
+                    </a:p>
+                  </a:txBody>
+                  <a:tcPr/>
+                </a:tc>
+                <a:tc>
+                  <a:txBody>
+                    <a:bodyPr/>
+                    <a:lstStyle/>
+                    <a:p>
+                      <a:pPr lvl="0" indent="0" marL="0">
+                        <a:buNone/>
+                      </a:pPr>
+                      <a:r>
+                        <a:rPr/>
+                        <a:t>Description</a:t>
+                      </a:r>
+                    </a:p>
+                  </a:txBody>
+                  <a:tcPr/>
+                </a:tc>
+              </a:tr>
+              <a:tr h="0">
+                <a:tc>
+                  <a:txBody>
+                    <a:bodyPr/>
+                    <a:lstStyle/>
+                    <a:p>
+                      <a:pPr lvl="0" indent="0" marL="0">
+                        <a:buNone/>
+                      </a:pPr>
+                      <a:r>
+                        <a:rPr>
+                          <a:latin typeface="Courier"/>
+                        </a:rPr>
+                        <a:t>Id</a:t>
+                      </a:r>
+                    </a:p>
+                  </a:txBody>
+                </a:tc>
+                <a:tc>
+                  <a:txBody>
+                    <a:bodyPr/>
+                    <a:lstStyle/>
+                    <a:p>
+                      <a:pPr lvl="0" indent="0" marL="0">
+                        <a:buNone/>
+                      </a:pPr>
+                      <a:r>
+                        <a:rPr/>
+                        <a:t>Unique identifier for the role, assigned by Azure.</a:t>
+                      </a:r>
+                    </a:p>
+                  </a:txBody>
+                </a:tc>
+              </a:tr>
+              <a:tr h="0">
+                <a:tc>
+                  <a:txBody>
+                    <a:bodyPr/>
+                    <a:lstStyle/>
+                    <a:p>
+                      <a:pPr lvl="0" indent="0" marL="0">
+                        <a:buNone/>
+                      </a:pPr>
+                      <a:r>
+                        <a:rPr>
+                          <a:latin typeface="Courier"/>
+                        </a:rPr>
+                        <a:t>IsCustom</a:t>
+                      </a:r>
+                    </a:p>
+                  </a:txBody>
+                </a:tc>
+                <a:tc>
+                  <a:txBody>
+                    <a:bodyPr/>
+                    <a:lstStyle/>
+                    <a:p>
+                      <a:pPr lvl="0" indent="0" marL="0">
+                        <a:buNone/>
+                      </a:pPr>
+                      <a:r>
+                        <a:rPr/>
+                        <a:t>True if a custom role, False if a built-in role.</a:t>
+                      </a:r>
+                    </a:p>
+                  </a:txBody>
+                </a:tc>
+              </a:tr>
+              <a:tr h="0">
+                <a:tc>
+                  <a:txBody>
+                    <a:bodyPr/>
+                    <a:lstStyle/>
+                    <a:p>
+                      <a:pPr lvl="0" indent="0" marL="0">
+                        <a:buNone/>
+                      </a:pPr>
+                      <a:r>
+                        <a:rPr>
+                          <a:latin typeface="Courier"/>
+                        </a:rPr>
+                        <a:t>Description</a:t>
+                      </a:r>
+                    </a:p>
+                  </a:txBody>
+                </a:tc>
+                <a:tc>
+                  <a:txBody>
+                    <a:bodyPr/>
+                    <a:lstStyle/>
+                    <a:p>
+                      <a:pPr lvl="0" indent="0" marL="0">
+                        <a:buNone/>
+                      </a:pPr>
+                      <a:r>
+                        <a:rPr/>
+                        <a:t>A readable description of the role.</a:t>
+                      </a:r>
+                    </a:p>
+                  </a:txBody>
+                </a:tc>
+              </a:tr>
+              <a:tr h="0">
+                <a:tc>
+                  <a:txBody>
+                    <a:bodyPr/>
+                    <a:lstStyle/>
+                    <a:p>
+                      <a:pPr lvl="0" indent="0" marL="0">
+                        <a:buNone/>
+                      </a:pPr>
+                      <a:r>
+                        <a:rPr>
+                          <a:latin typeface="Courier"/>
+                        </a:rPr>
+                        <a:t>Actions []</a:t>
+                      </a:r>
+                    </a:p>
+                  </a:txBody>
+                </a:tc>
+                <a:tc>
+                  <a:txBody>
+                    <a:bodyPr/>
+                    <a:lstStyle/>
+                    <a:p>
+                      <a:pPr lvl="0" indent="0" marL="0">
+                        <a:buNone/>
+                      </a:pPr>
+                      <a:r>
+                        <a:rPr/>
+                        <a:t>Allowed permissions, </a:t>
+                      </a:r>
+                      <a:r>
+                        <a:rPr>
+                          <a:latin typeface="Courier"/>
+                        </a:rPr>
+                        <a:t>*</a:t>
+                      </a:r>
+                      <a:r>
+                        <a:rPr/>
+                        <a:t> indicates all.</a:t>
+                      </a:r>
+                    </a:p>
+                  </a:txBody>
+                </a:tc>
+              </a:tr>
+              <a:tr h="0">
+                <a:tc>
+                  <a:txBody>
+                    <a:bodyPr/>
+                    <a:lstStyle/>
+                    <a:p>
+                      <a:pPr lvl="0" indent="0" marL="0">
+                        <a:buNone/>
+                      </a:pPr>
+                      <a:r>
+                        <a:rPr>
+                          <a:latin typeface="Courier"/>
+                        </a:rPr>
+                        <a:t>NotActions []</a:t>
+                      </a:r>
+                    </a:p>
+                  </a:txBody>
+                </a:tc>
+                <a:tc>
+                  <a:txBody>
+                    <a:bodyPr/>
+                    <a:lstStyle/>
+                    <a:p>
+                      <a:pPr lvl="0" indent="0" marL="0">
+                        <a:buNone/>
+                      </a:pPr>
+                      <a:r>
+                        <a:rPr/>
+                        <a:t>Denied permissions.</a:t>
+                      </a:r>
+                    </a:p>
+                  </a:txBody>
+                </a:tc>
+              </a:tr>
+              <a:tr h="0">
+                <a:tc>
+                  <a:txBody>
+                    <a:bodyPr/>
+                    <a:lstStyle/>
+                    <a:p>
+                      <a:pPr lvl="0" indent="0" marL="0">
+                        <a:buNone/>
+                      </a:pPr>
+                      <a:r>
+                        <a:rPr>
+                          <a:latin typeface="Courier"/>
+                        </a:rPr>
+                        <a:t>DataActions []</a:t>
+                      </a:r>
+                    </a:p>
+                  </a:txBody>
+                </a:tc>
+                <a:tc>
+                  <a:txBody>
+                    <a:bodyPr/>
+                    <a:lstStyle/>
+                    <a:p>
+                      <a:pPr lvl="0" indent="0" marL="0">
+                        <a:buNone/>
+                      </a:pPr>
+                      <a:r>
+                        <a:rPr/>
+                        <a:t>Specific allowed permissions as applied to data, for example </a:t>
+                      </a:r>
+                      <a:r>
+                        <a:rPr>
+                          <a:latin typeface="Courier"/>
+                        </a:rPr>
+                        <a:t>Microsoft.Storage/storageAccounts/blobServices/containers/blobs/read</a:t>
+                      </a:r>
+                    </a:p>
+                  </a:txBody>
+                </a:tc>
+              </a:tr>
+              <a:tr h="0">
+                <a:tc>
+                  <a:txBody>
+                    <a:bodyPr/>
+                    <a:lstStyle/>
+                    <a:p>
+                      <a:pPr lvl="0" indent="0" marL="0">
+                        <a:buNone/>
+                      </a:pPr>
+                      <a:r>
+                        <a:rPr>
+                          <a:latin typeface="Courier"/>
+                        </a:rPr>
+                        <a:t>NotDataActions []</a:t>
+                      </a:r>
+                    </a:p>
+                  </a:txBody>
+                </a:tc>
+                <a:tc>
+                  <a:txBody>
+                    <a:bodyPr/>
+                    <a:lstStyle/>
+                    <a:p>
+                      <a:pPr lvl="0" indent="0" marL="0">
+                        <a:buNone/>
+                      </a:pPr>
+                      <a:r>
+                        <a:rPr/>
+                        <a:t>Specific denied permissions as applied to data.</a:t>
+                      </a:r>
+                    </a:p>
+                  </a:txBody>
+                </a:tc>
+              </a:tr>
+              <a:tr h="0">
+                <a:tc>
+                  <a:txBody>
+                    <a:bodyPr/>
+                    <a:lstStyle/>
+                    <a:p>
+                      <a:pPr lvl="0" indent="0" marL="0">
+                        <a:buNone/>
+                      </a:pPr>
+                      <a:r>
+                        <a:rPr>
+                          <a:latin typeface="Courier"/>
+                        </a:rPr>
+                        <a:t>AssignableScopes []</a:t>
+                      </a:r>
+                    </a:p>
+                  </a:txBody>
+                </a:tc>
+                <a:tc>
+                  <a:txBody>
+                    <a:bodyPr/>
+                    <a:lstStyle/>
+                    <a:p>
+                      <a:pPr lvl="0" indent="0" marL="0">
+                        <a:buNone/>
+                      </a:pPr>
+                      <a:r>
+                        <a:rPr/>
+                        <a:t>Scopes where this role applies. </a:t>
+                      </a:r>
+                      <a:r>
+                        <a:rPr>
+                          <a:latin typeface="Courier"/>
+                        </a:rPr>
+                        <a:t>/</a:t>
+                      </a:r>
+                      <a:r>
+                        <a:rPr/>
+                        <a:t> indicates global, but can reach into a hierarchical tree.</a:t>
+                      </a:r>
+                    </a:p>
+                  </a:txBody>
+                </a:tc>
+              </a:tr>
+            </a:tbl>
+          </a:graphicData>
+        </a:graphic>
+      </p:graphicFrame>
+    </p:spTree>
+  </p:cSld>
+</p:sld>
+</file>
+
+<file path=ppt/slides/slide6.xml><?xml version="1.0" encoding="utf-8"?>
+<p:sld xmlns:a="http://schemas.openxmlformats.org/drawingml/2006/main" xmlns:r="http://schemas.openxmlformats.org/officeDocument/2006/relationships" xmlns:p="http://schemas.openxmlformats.org/presentationml/2006/main">
+  <p:cSld>
+    <p:spTree>
+      <p:nvGrpSpPr>
+        <p:cNvPr id="1" name=""/>
+        <p:cNvGrpSpPr/>
+        <p:nvPr/>
+      </p:nvGrpSpPr>
+      <p:grpSpPr>
+        <a:xfrm>
+          <a:off x="0" y="0"/>
+          <a:ext cx="0" cy="0"/>
+          <a:chOff x="0" y="0"/>
+          <a:chExt cx="0" cy="0"/>
+        </a:xfrm>
+      </p:grpSpPr>
+      <p:sp>
+        <p:nvSpPr>
+          <p:cNvPr id="4" name="Text Placeholder 3"/>
+          <p:cNvSpPr>
+            <a:spLocks noGrp="1"/>
+          </p:cNvSpPr>
+          <p:nvPr>
+            <p:ph idx="2" sz="half" type="body"/>
+          </p:nvPr>
+        </p:nvSpPr>
+        <p:spPr/>
+        <p:txBody>
+          <a:bodyPr/>
+          <a:lstStyle/>
+          <a:p>
+            <a:pPr lvl="0" indent="0" marL="0">
+              <a:buNone/>
+            </a:pPr>
+            <a:r>
+              <a:rPr/>
+              <a:t>This structure is represented as JSON when used in role-based access control (RBAC) or from the underlying API. For example, here’s the </a:t>
+            </a:r>
+            <a:r>
+              <a:rPr b="1"/>
+              <a:t>Contributor</a:t>
+            </a:r>
+            <a:r>
+              <a:rPr/>
+              <a:t> role definition in JSON format.</a:t>
+            </a:r>
+          </a:p>
+          <a:p>
+            <a:pPr lvl="0" indent="0">
+              <a:buNone/>
+            </a:pPr>
+            <a:r>
+              <a:rPr>
+                <a:latin typeface="Courier"/>
+              </a:rPr>
+              <a:t>{
+  "Name": "Contributor",
+  "Id": "b24988ac-6180-42a0-ab88-20f7382dd24c",
+  "IsCustom": false,
+  "Description": "Lets you manage everything except access to resources.",
+  "Actions": [
+    "*"
+  ],
+  "NotActions": [
+    "Microsoft.Authorization/*/Delete",
+    "Microsoft.Authorization/*/Write",
+    "Microsoft.Authorization/elevateAccess/Action"
+  ],
+  "DataActions": [],
+  "NotDataActions": [],
+  "AssignableScopes": [
+    "/"
+  ]
+}</a:t>
+            </a:r>
+          </a:p>
+          <a:p>
+            <a:pPr lvl="0" indent="0" marL="0">
+              <a:spcBef>
+                <a:spcPts val="3000"/>
+              </a:spcBef>
+              <a:buNone/>
+            </a:pPr>
+            <a:r>
+              <a:rPr b="1"/>
+              <a:t>Actions and NotActions</a:t>
+            </a:r>
+          </a:p>
+          <a:p>
+            <a:pPr lvl="0" indent="0" marL="0">
+              <a:buNone/>
+            </a:pPr>
+            <a:r>
+              <a:rPr/>
+              <a:t>You can tailor the </a:t>
+            </a:r>
+            <a:r>
+              <a:rPr>
+                <a:latin typeface="Courier"/>
+              </a:rPr>
+              <a:t>Actions</a:t>
+            </a:r>
+            <a:r>
+              <a:rPr/>
+              <a:t> and </a:t>
+            </a:r>
+            <a:r>
+              <a:rPr>
+                <a:latin typeface="Courier"/>
+              </a:rPr>
+              <a:t>NotActions</a:t>
+            </a:r>
+            <a:r>
+              <a:rPr/>
+              <a:t> properties to grant and deny the exact permissions you need. These properties are always in the format: </a:t>
+            </a:r>
+            <a:r>
+              <a:rPr>
+                <a:latin typeface="Courier"/>
+              </a:rPr>
+              <a:t>{Company}.{ProviderName}/{resourceType}/{action}</a:t>
+            </a:r>
+            <a:r>
+              <a:rPr/>
+              <a:t>.</a:t>
+            </a:r>
+          </a:p>
+          <a:p>
+            <a:pPr lvl="0" indent="0" marL="0">
+              <a:buNone/>
+            </a:pPr>
+            <a:r>
+              <a:rPr/>
+              <a:t>As an example, here are the actions for the three roles we looked at previously.</a:t>
+            </a:r>
+          </a:p>
+        </p:txBody>
+      </p:sp>
+      <p:graphicFrame>
+        <p:nvGraphicFramePr>
+          <p:cNvPr id="6" name="Content Placeholder 5"/>
+          <p:cNvGraphicFramePr>
+            <a:graphicFrameLocks noGrp="1"/>
+          </p:cNvGraphicFramePr>
+          <p:nvPr>
+            <p:ph idx="1"/>
+          </p:nvPr>
+        </p:nvGraphicFramePr>
+        <p:xfrm>
+          <a:off x="3568700" y="203200"/>
+          <a:ext cx="5105400" cy="4381500"/>
+        </p:xfrm>
+        <a:graphic>
+          <a:graphicData uri="http://schemas.openxmlformats.org/drawingml/2006/table">
+            <a:tbl>
+              <a:tblPr firstRow="1" bandRow="1">
+                <a:tableStyleId>{5C22544A-7EE6-4342-B048-85BDC9FD1C3A}</a:tableStyleId>
+              </a:tblPr>
+              <a:tblGrid>
+                <a:gridCol w="1701800"/>
+                <a:gridCol w="1701800"/>
+                <a:gridCol w="1701800"/>
+              </a:tblGrid>
+              <a:tr h="0">
+                <a:tc>
+                  <a:txBody>
+                    <a:bodyPr/>
+                    <a:lstStyle/>
+                    <a:p>
+                      <a:pPr lvl="0" indent="0" marL="0">
+                        <a:buNone/>
+                      </a:pPr>
+                      <a:r>
+                        <a:rPr/>
+                        <a:t>Built-in Role</a:t>
+                      </a:r>
+                    </a:p>
+                  </a:txBody>
+                  <a:tcPr/>
+                </a:tc>
+                <a:tc>
+                  <a:txBody>
+                    <a:bodyPr/>
+                    <a:lstStyle/>
+                    <a:p>
+                      <a:pPr lvl="0" indent="0" marL="0">
+                        <a:buNone/>
+                      </a:pPr>
+                      <a:r>
+                        <a:rPr/>
+                        <a:t>Actions</a:t>
+                      </a:r>
+                    </a:p>
+                  </a:txBody>
+                  <a:tcPr/>
+                </a:tc>
+                <a:tc>
+                  <a:txBody>
+                    <a:bodyPr/>
+                    <a:lstStyle/>
+                    <a:p>
+                      <a:pPr lvl="0" indent="0" marL="0">
+                        <a:buNone/>
+                      </a:pPr>
+                      <a:r>
+                        <a:rPr/>
+                        <a:t>NotActions</a:t>
+                      </a:r>
+                    </a:p>
+                  </a:txBody>
+                  <a:tcPr/>
+                </a:tc>
+              </a:tr>
+              <a:tr h="0">
+                <a:tc>
+                  <a:txBody>
+                    <a:bodyPr/>
+                    <a:lstStyle/>
+                    <a:p>
+                      <a:pPr lvl="0" indent="0" marL="0">
+                        <a:buNone/>
+                      </a:pPr>
+                      <a:r>
+                        <a:rPr/>
+                        <a:t>Owner (allow all actions)</a:t>
+                      </a:r>
+                    </a:p>
+                  </a:txBody>
+                </a:tc>
+                <a:tc>
+                  <a:txBody>
+                    <a:bodyPr/>
+                    <a:lstStyle/>
+                    <a:p>
+                      <a:pPr lvl="0" indent="0" marL="0">
+                        <a:buNone/>
+                      </a:pPr>
+                      <a:r>
+                        <a:rPr>
+                          <a:latin typeface="Courier"/>
+                        </a:rPr>
+                        <a:t>*</a:t>
+                      </a:r>
+                    </a:p>
+                  </a:txBody>
+                </a:tc>
+                <a:tc>
+                  <a:txBody>
+                    <a:bodyPr/>
+                    <a:lstStyle/>
+                    <a:p>
+                      <a:pPr lvl="0" indent="0" marL="0">
+                        <a:buNone/>
+                      </a:pPr>
+                      <a:r>
+                        <a:rPr/>
+                        <a:t>-</a:t>
+                      </a:r>
+                    </a:p>
+                  </a:txBody>
+                </a:tc>
+              </a:tr>
+              <a:tr h="0">
+                <a:tc>
+                  <a:txBody>
+                    <a:bodyPr/>
+                    <a:lstStyle/>
+                    <a:p>
+                      <a:pPr lvl="0" indent="0" marL="0">
+                        <a:buNone/>
+                      </a:pPr>
+                      <a:r>
+                        <a:rPr/>
+                        <a:t>Contributor (allow all actions except writing or deleting role assignments)</a:t>
+                      </a:r>
+                    </a:p>
+                  </a:txBody>
+                </a:tc>
+                <a:tc>
+                  <a:txBody>
+                    <a:bodyPr/>
+                    <a:lstStyle/>
+                    <a:p>
+                      <a:pPr lvl="0" indent="0" marL="0">
+                        <a:buNone/>
+                      </a:pPr>
+                      <a:r>
+                        <a:rPr>
+                          <a:latin typeface="Courier"/>
+                        </a:rPr>
+                        <a:t>*</a:t>
+                      </a:r>
+                    </a:p>
+                  </a:txBody>
+                </a:tc>
+                <a:tc>
+                  <a:txBody>
+                    <a:bodyPr/>
+                    <a:lstStyle/>
+                    <a:p>
+                      <a:pPr lvl="0" indent="0" marL="0">
+                        <a:buNone/>
+                      </a:pPr>
+                      <a:r>
+                        <a:rPr>
+                          <a:latin typeface="Courier"/>
+                        </a:rPr>
+                        <a:t>Microsoft.Authorization/*/Delete, Microsoft.Authorization/*/Write, Microsoft.Authorization/elevateAccess/Action</a:t>
+                      </a:r>
+                    </a:p>
+                  </a:txBody>
+                </a:tc>
+              </a:tr>
+              <a:tr h="0">
+                <a:tc>
+                  <a:txBody>
+                    <a:bodyPr/>
+                    <a:lstStyle/>
+                    <a:p>
+                      <a:pPr lvl="0" indent="0" marL="0">
+                        <a:buNone/>
+                      </a:pPr>
+                      <a:r>
+                        <a:rPr/>
+                        <a:t>Reader (allow all read actions)</a:t>
+                      </a:r>
+                    </a:p>
+                  </a:txBody>
+                </a:tc>
+                <a:tc>
+                  <a:txBody>
+                    <a:bodyPr/>
+                    <a:lstStyle/>
+                    <a:p>
+                      <a:pPr lvl="0" indent="0" marL="0">
+                        <a:buNone/>
+                      </a:pPr>
+                      <a:r>
+                        <a:rPr>
+                          <a:latin typeface="Courier"/>
+                        </a:rPr>
+                        <a:t>*/read</a:t>
+                      </a:r>
+                    </a:p>
+                  </a:txBody>
+                </a:tc>
+                <a:tc>
+                  <a:txBody>
+                    <a:bodyPr/>
+                    <a:lstStyle/>
+                    <a:p>
+                      <a:pPr lvl="0" indent="0" marL="0">
+                        <a:buNone/>
+                      </a:pPr>
+                      <a:r>
+                        <a:rPr/>
+                        <a:t>-</a:t>
+                      </a:r>
+                    </a:p>
+                  </a:txBody>
+                </a:tc>
+              </a:tr>
+            </a:tbl>
+          </a:graphicData>
+        </a:graphic>
+      </p:graphicFrame>
+    </p:spTree>
+  </p:cSld>
+</p:sld>
+</file>
+
+<file path=ppt/slides/slide7.xml><?xml version="1.0" encoding="utf-8"?>
+<p:sld xmlns:a="http://schemas.openxmlformats.org/drawingml/2006/main" xmlns:r="http://schemas.openxmlformats.org/officeDocument/2006/relationships" xmlns:p="http://schemas.openxmlformats.org/presentationml/2006/main">
+  <p:cSld>
+    <p:spTree>
+      <p:nvGrpSpPr>
+        <p:cNvPr id="1" name=""/>
+        <p:cNvGrpSpPr/>
+        <p:nvPr/>
+      </p:nvGrpSpPr>
+      <p:grpSpPr>
+        <a:xfrm>
+          <a:off x="0" y="0"/>
+          <a:ext cx="0" cy="0"/>
+          <a:chOff x="0" y="0"/>
+          <a:chExt cx="0" cy="0"/>
+        </a:xfrm>
+      </p:grpSpPr>
+      <p:sp>
+        <p:nvSpPr>
+          <p:cNvPr id="4" name="Text Placeholder 3"/>
+          <p:cNvSpPr>
+            <a:spLocks noGrp="1"/>
+          </p:cNvSpPr>
+          <p:nvPr>
+            <p:ph idx="2" sz="half" type="body"/>
+          </p:nvPr>
+        </p:nvSpPr>
+        <p:spPr/>
+        <p:txBody>
+          <a:bodyPr/>
+          <a:lstStyle/>
+          <a:p>
+            <a:pPr lvl="0" indent="0" marL="0">
+              <a:buNone/>
+            </a:pPr>
+            <a:r>
+              <a:rPr/>
+              <a:t>The wildcard (</a:t>
+            </a:r>
+            <a:r>
+              <a:rPr>
+                <a:latin typeface="Courier"/>
+              </a:rPr>
+              <a:t>*</a:t>
+            </a:r>
+            <a:r>
+              <a:rPr/>
+              <a:t>) operation under </a:t>
+            </a:r>
+            <a:r>
+              <a:rPr>
+                <a:latin typeface="Courier"/>
+              </a:rPr>
+              <a:t>Actions</a:t>
+            </a:r>
+            <a:r>
+              <a:rPr/>
+              <a:t> indicates that the principal assigned to this role can perform all actions; or in other words, this role can manage everything, including actions defined in the future, as Azure adds new resource types. With the </a:t>
+            </a:r>
+            <a:r>
+              <a:rPr b="1"/>
+              <a:t>Reader</a:t>
+            </a:r>
+            <a:r>
+              <a:rPr/>
+              <a:t> role, only the </a:t>
+            </a:r>
+            <a:r>
+              <a:rPr>
+                <a:latin typeface="Courier"/>
+              </a:rPr>
+              <a:t>read</a:t>
+            </a:r>
+            <a:r>
+              <a:rPr/>
+              <a:t> action is allowed.</a:t>
+            </a:r>
+          </a:p>
+          <a:p>
+            <a:pPr lvl="0" indent="0" marL="0">
+              <a:buNone/>
+            </a:pPr>
+            <a:r>
+              <a:rPr/>
+              <a:t>The operations under </a:t>
+            </a:r>
+            <a:r>
+              <a:rPr>
+                <a:latin typeface="Courier"/>
+              </a:rPr>
+              <a:t>NotActions</a:t>
+            </a:r>
+            <a:r>
+              <a:rPr/>
+              <a:t> are subtracted from </a:t>
+            </a:r>
+            <a:r>
+              <a:rPr>
+                <a:latin typeface="Courier"/>
+              </a:rPr>
+              <a:t>Actions</a:t>
+            </a:r>
+            <a:r>
+              <a:rPr/>
+              <a:t>. With the </a:t>
+            </a:r>
+            <a:r>
+              <a:rPr b="1"/>
+              <a:t>Contributor</a:t>
+            </a:r>
+            <a:r>
+              <a:rPr/>
+              <a:t> role, </a:t>
+            </a:r>
+            <a:r>
+              <a:rPr>
+                <a:latin typeface="Courier"/>
+              </a:rPr>
+              <a:t>NotActions</a:t>
+            </a:r>
+            <a:r>
+              <a:rPr/>
+              <a:t> removes this role’s ability to manage access to resources, and also removes assigning access to resources.</a:t>
+            </a:r>
+          </a:p>
+          <a:p>
+            <a:pPr lvl="0" indent="0" marL="0">
+              <a:spcBef>
+                <a:spcPts val="3000"/>
+              </a:spcBef>
+              <a:buNone/>
+            </a:pPr>
+            <a:r>
+              <a:rPr b="1"/>
+              <a:t>DataActions and NotDataActions</a:t>
+            </a:r>
+          </a:p>
+          <a:p>
+            <a:pPr lvl="0" indent="0" marL="0">
+              <a:buNone/>
+            </a:pPr>
+            <a:r>
+              <a:rPr/>
+              <a:t>Data operations are specified in the </a:t>
+            </a:r>
+            <a:r>
+              <a:rPr>
+                <a:latin typeface="Courier"/>
+              </a:rPr>
+              <a:t>DataActions</a:t>
+            </a:r>
+            <a:r>
+              <a:rPr/>
+              <a:t> and </a:t>
+            </a:r>
+            <a:r>
+              <a:rPr>
+                <a:latin typeface="Courier"/>
+              </a:rPr>
+              <a:t>NotDataActions</a:t>
+            </a:r>
+            <a:r>
+              <a:rPr/>
+              <a:t> properties. Data operations can be specified separately from the management operations. This prevents current role assignments with wildcards (</a:t>
+            </a:r>
+            <a:r>
+              <a:rPr>
+                <a:latin typeface="Courier"/>
+              </a:rPr>
+              <a:t>*</a:t>
+            </a:r>
+            <a:r>
+              <a:rPr/>
+              <a:t>) from suddenly having access to data. Here are some data operations that can be specified in </a:t>
+            </a:r>
+            <a:r>
+              <a:rPr>
+                <a:latin typeface="Courier"/>
+              </a:rPr>
+              <a:t>DataActions</a:t>
+            </a:r>
+            <a:r>
+              <a:rPr/>
+              <a:t> and </a:t>
+            </a:r>
+            <a:r>
+              <a:rPr>
+                <a:latin typeface="Courier"/>
+              </a:rPr>
+              <a:t>NotDataActions</a:t>
+            </a:r>
+            <a:r>
+              <a:rPr/>
+              <a:t>:</a:t>
+            </a:r>
+          </a:p>
+          <a:p>
+            <a:pPr lvl="0"/>
+            <a:r>
+              <a:rPr/>
+              <a:t>Read a list of blobs in a container</a:t>
+            </a:r>
+          </a:p>
+          <a:p>
+            <a:pPr lvl="0"/>
+            <a:r>
+              <a:rPr/>
+              <a:t>Write a storage blob in a container</a:t>
+            </a:r>
+          </a:p>
+          <a:p>
+            <a:pPr lvl="0"/>
+            <a:r>
+              <a:rPr/>
+              <a:t>Delete a message in a queue</a:t>
+            </a:r>
+          </a:p>
+          <a:p>
+            <a:pPr lvl="0" indent="0" marL="0">
+              <a:buNone/>
+            </a:pPr>
+            <a:r>
+              <a:rPr/>
+              <a:t>Only data operations can be added to the </a:t>
+            </a:r>
+            <a:r>
+              <a:rPr>
+                <a:latin typeface="Courier"/>
+              </a:rPr>
+              <a:t>DataActions</a:t>
+            </a:r>
+            <a:r>
+              <a:rPr/>
+              <a:t> and </a:t>
+            </a:r>
+            <a:r>
+              <a:rPr>
+                <a:latin typeface="Courier"/>
+              </a:rPr>
+              <a:t>NotDataActions</a:t>
+            </a:r>
+            <a:r>
+              <a:rPr/>
+              <a:t> properties. Resource providers identify which operations are data operations by setting the </a:t>
+            </a:r>
+            <a:r>
+              <a:rPr>
+                <a:latin typeface="Courier"/>
+              </a:rPr>
+              <a:t>isDataAction</a:t>
+            </a:r>
+            <a:r>
+              <a:rPr/>
+              <a:t> property to </a:t>
+            </a:r>
+            <a:r>
+              <a:rPr>
+                <a:latin typeface="Courier"/>
+              </a:rPr>
+              <a:t>true</a:t>
+            </a:r>
+            <a:r>
+              <a:rPr/>
+              <a:t>. Roles that do not have data operations can omit these properties from the role definition.</a:t>
+            </a:r>
+          </a:p>
+          <a:p>
+            <a:pPr lvl="0" indent="0" marL="0">
+              <a:buNone/>
+            </a:pPr>
+            <a:r>
+              <a:rPr/>
+              <a:t>These actions work exactly like their management cousins. You specify actions you want to allow (or </a:t>
+            </a:r>
+            <a:r>
+              <a:rPr>
+                <a:latin typeface="Courier"/>
+              </a:rPr>
+              <a:t>*</a:t>
+            </a:r>
+            <a:r>
+              <a:rPr/>
+              <a:t> for all) and then provide a list of specific actions to remove in the </a:t>
+            </a:r>
+            <a:r>
+              <a:rPr>
+                <a:latin typeface="Courier"/>
+              </a:rPr>
+              <a:t>NotDataActions</a:t>
+            </a:r>
+            <a:r>
+              <a:rPr/>
+              <a:t> collection. Here are some examples, you can find the </a:t>
+            </a:r>
+            <a:r>
+              <a:rPr>
+                <a:hlinkClick r:id="rId2"/>
+              </a:rPr>
+              <a:t>full list of actions and data actions in the resource provider documentation</a:t>
+            </a:r>
+            <a:r>
+              <a:rPr/>
+              <a:t>:</a:t>
+            </a:r>
+          </a:p>
+        </p:txBody>
+      </p:sp>
+      <p:graphicFrame>
+        <p:nvGraphicFramePr>
+          <p:cNvPr id="6" name="Content Placeholder 5"/>
+          <p:cNvGraphicFramePr>
+            <a:graphicFrameLocks noGrp="1"/>
+          </p:cNvGraphicFramePr>
+          <p:nvPr>
+            <p:ph idx="1"/>
+          </p:nvPr>
+        </p:nvGraphicFramePr>
+        <p:xfrm>
+          <a:off x="3568700" y="203200"/>
+          <a:ext cx="5105400" cy="4381500"/>
+        </p:xfrm>
+        <a:graphic>
+          <a:graphicData uri="http://schemas.openxmlformats.org/drawingml/2006/table">
+            <a:tbl>
+              <a:tblPr firstRow="1" bandRow="1">
+                <a:tableStyleId>{5C22544A-7EE6-4342-B048-85BDC9FD1C3A}</a:tableStyleId>
+              </a:tblPr>
+              <a:tblGrid>
+                <a:gridCol w="2552700"/>
+                <a:gridCol w="2552700"/>
+              </a:tblGrid>
+              <a:tr h="0">
+                <a:tc>
+                  <a:txBody>
+                    <a:bodyPr/>
+                    <a:lstStyle/>
+                    <a:p>
+                      <a:pPr lvl="0" indent="0" marL="0">
+                        <a:buNone/>
+                      </a:pPr>
+                      <a:r>
+                        <a:rPr/>
+                        <a:t>Data operation</a:t>
+                      </a:r>
+                    </a:p>
+                  </a:txBody>
+                  <a:tcPr/>
+                </a:tc>
+                <a:tc>
+                  <a:txBody>
+                    <a:bodyPr/>
+                    <a:lstStyle/>
+                    <a:p>
+                      <a:pPr lvl="0" indent="0" marL="0">
+                        <a:buNone/>
+                      </a:pPr>
+                      <a:r>
+                        <a:rPr/>
+                        <a:t>Description</a:t>
+                      </a:r>
+                    </a:p>
+                  </a:txBody>
+                  <a:tcPr/>
+                </a:tc>
+              </a:tr>
+              <a:tr h="0">
+                <a:tc>
+                  <a:txBody>
+                    <a:bodyPr/>
+                    <a:lstStyle/>
+                    <a:p>
+                      <a:pPr lvl="0" indent="0" marL="0">
+                        <a:buNone/>
+                      </a:pPr>
+                      <a:r>
+                        <a:rPr>
+                          <a:latin typeface="Courier"/>
+                        </a:rPr>
+                        <a:t>Microsoft.Storage/storageAccounts/blobServices/containers/blobs/delete</a:t>
+                      </a:r>
+                    </a:p>
+                  </a:txBody>
+                </a:tc>
+                <a:tc>
+                  <a:txBody>
+                    <a:bodyPr/>
+                    <a:lstStyle/>
+                    <a:p>
+                      <a:pPr lvl="0" indent="0" marL="0">
+                        <a:buNone/>
+                      </a:pPr>
+                      <a:r>
+                        <a:rPr/>
+                        <a:t>Delete blob data</a:t>
+                      </a:r>
+                    </a:p>
+                  </a:txBody>
+                </a:tc>
+              </a:tr>
+              <a:tr h="0">
+                <a:tc>
+                  <a:txBody>
+                    <a:bodyPr/>
+                    <a:lstStyle/>
+                    <a:p>
+                      <a:pPr lvl="0" indent="0" marL="0">
+                        <a:buNone/>
+                      </a:pPr>
+                      <a:r>
+                        <a:rPr>
+                          <a:latin typeface="Courier"/>
+                        </a:rPr>
+                        <a:t>Microsoft.Compute/virtualMachines/login/action</a:t>
+                      </a:r>
+                    </a:p>
+                  </a:txBody>
+                </a:tc>
+                <a:tc>
+                  <a:txBody>
+                    <a:bodyPr/>
+                    <a:lstStyle/>
+                    <a:p>
+                      <a:pPr lvl="0" indent="0" marL="0">
+                        <a:buNone/>
+                      </a:pPr>
+                      <a:r>
+                        <a:rPr/>
+                        <a:t>Log in to a VM as a regular user</a:t>
+                      </a:r>
+                    </a:p>
+                  </a:txBody>
+                </a:tc>
+              </a:tr>
+              <a:tr h="0">
+                <a:tc>
+                  <a:txBody>
+                    <a:bodyPr/>
+                    <a:lstStyle/>
+                    <a:p>
+                      <a:pPr lvl="0" indent="0" marL="0">
+                        <a:buNone/>
+                      </a:pPr>
+                      <a:r>
+                        <a:rPr>
+                          <a:latin typeface="Courier"/>
+                        </a:rPr>
+                        <a:t>Microsoft.EventHub/namespaces/messages/send/action</a:t>
+                      </a:r>
+                    </a:p>
+                  </a:txBody>
+                </a:tc>
+                <a:tc>
+                  <a:txBody>
+                    <a:bodyPr/>
+                    <a:lstStyle/>
+                    <a:p>
+                      <a:pPr lvl="0" indent="0" marL="0">
+                        <a:buNone/>
+                      </a:pPr>
+                      <a:r>
+                        <a:rPr/>
+                        <a:t>Send messages on an event hub</a:t>
+                      </a:r>
+                    </a:p>
+                  </a:txBody>
+                </a:tc>
+              </a:tr>
+              <a:tr h="0">
+                <a:tc>
+                  <a:txBody>
+                    <a:bodyPr/>
+                    <a:lstStyle/>
+                    <a:p>
+                      <a:pPr lvl="0" indent="0" marL="0">
+                        <a:buNone/>
+                      </a:pPr>
+                      <a:r>
+                        <a:rPr>
+                          <a:latin typeface="Courier"/>
+                        </a:rPr>
+                        <a:t>Microsoft.Storage/storageAccounts/fileServices/fileshares/files/read</a:t>
+                      </a:r>
+                    </a:p>
+                  </a:txBody>
+                </a:tc>
+                <a:tc>
+                  <a:txBody>
+                    <a:bodyPr/>
+                    <a:lstStyle/>
+                    <a:p>
+                      <a:pPr lvl="0" indent="0" marL="0">
+                        <a:buNone/>
+                      </a:pPr>
+                      <a:r>
+                        <a:rPr/>
+                        <a:t>Return a file/folder or list of files/folders</a:t>
+                      </a:r>
+                    </a:p>
+                  </a:txBody>
+                </a:tc>
+              </a:tr>
+              <a:tr h="0">
+                <a:tc>
+                  <a:txBody>
+                    <a:bodyPr/>
+                    <a:lstStyle/>
+                    <a:p>
+                      <a:pPr lvl="0" indent="0" marL="0">
+                        <a:buNone/>
+                      </a:pPr>
+                      <a:r>
+                        <a:rPr>
+                          <a:latin typeface="Courier"/>
+                        </a:rPr>
+                        <a:t>Microsoft.Storage/storageAccounts/queueServices/queues/messages/read</a:t>
+                      </a:r>
+                    </a:p>
+                  </a:txBody>
+                </a:tc>
+                <a:tc>
+                  <a:txBody>
+                    <a:bodyPr/>
+                    <a:lstStyle/>
+                    <a:p>
+                      <a:pPr lvl="0" indent="0" marL="0">
+                        <a:buNone/>
+                      </a:pPr>
+                      <a:r>
+                        <a:rPr/>
+                        <a:t>Read a message from a queue</a:t>
+                      </a:r>
+                    </a:p>
+                  </a:txBody>
+                </a:tc>
+              </a:tr>
+            </a:tbl>
+          </a:graphicData>
+        </a:graphic>
+      </p:graphicFrame>
+    </p:spTree>
+  </p:cSld>
+</p:sld>
+</file>
+
+<file path=ppt/slides/slide8.xml><?xml version="1.0" encoding="utf-8"?>
+<p:sld xmlns:a="http://schemas.openxmlformats.org/drawingml/2006/main" xmlns:r="http://schemas.openxmlformats.org/officeDocument/2006/relationships" xmlns:p="http://schemas.openxmlformats.org/presentationml/2006/main">
+  <p:cSld>
+    <p:spTree>
+      <p:nvGrpSpPr>
+        <p:cNvPr id="1" name=""/>
+        <p:cNvGrpSpPr/>
+        <p:nvPr/>
+      </p:nvGrpSpPr>
+      <p:grpSpPr>
+        <a:xfrm>
+          <a:off x="0" y="0"/>
+          <a:ext cx="0" cy="0"/>
+          <a:chOff x="0" y="0"/>
+          <a:chExt cx="0" cy="0"/>
+        </a:xfrm>
+      </p:grpSpPr>
+      <p:sp>
+        <p:nvSpPr>
+          <p:cNvPr id="4" name="Text Placeholder 3"/>
+          <p:cNvSpPr>
+            <a:spLocks noGrp="1"/>
+          </p:cNvSpPr>
+          <p:nvPr>
+            <p:ph idx="2" sz="half" type="body"/>
+          </p:nvPr>
+        </p:nvSpPr>
+        <p:spPr/>
+        <p:txBody>
+          <a:bodyPr/>
+          <a:lstStyle/>
+          <a:p>
+            <a:pPr lvl="0" indent="0" marL="0">
+              <a:spcBef>
+                <a:spcPts val="3000"/>
+              </a:spcBef>
+              <a:buNone/>
+            </a:pPr>
+            <a:r>
+              <a:rPr b="1"/>
+              <a:t>Assignable Scopes</a:t>
+            </a:r>
+          </a:p>
+          <a:p>
+            <a:pPr lvl="0" indent="0" marL="0">
+              <a:buNone/>
+            </a:pPr>
+            <a:r>
+              <a:rPr/>
+              <a:t>Defining the </a:t>
+            </a:r>
+            <a:r>
+              <a:rPr b="1"/>
+              <a:t>Actions</a:t>
+            </a:r>
+            <a:r>
+              <a:rPr/>
+              <a:t> and </a:t>
+            </a:r>
+            <a:r>
+              <a:rPr b="1"/>
+              <a:t>NotActions</a:t>
+            </a:r>
+            <a:r>
+              <a:rPr/>
+              <a:t> properties is not enough to fully implement a role. You also need to properly scope your role.</a:t>
+            </a:r>
+          </a:p>
+          <a:p>
+            <a:pPr lvl="0" indent="0" marL="0">
+              <a:buNone/>
+            </a:pPr>
+            <a:r>
+              <a:rPr/>
+              <a:t>The </a:t>
+            </a:r>
+            <a:r>
+              <a:rPr b="1"/>
+              <a:t>AssignableScopes</a:t>
+            </a:r>
+            <a:r>
+              <a:rPr/>
+              <a:t> property of the role specifies the scopes (subscriptions, resource groups, or resources) within which the role is available for assignment. You can make the custom role available for assignment just in the subscriptions or resource groups that need it, thus avoiding cluttering the user experience for the rest of the subscriptions or resource groups.</a:t>
+            </a:r>
+          </a:p>
+          <a:p>
+            <a:pPr lvl="0" indent="0" marL="0">
+              <a:buNone/>
+            </a:pPr>
+            <a:r>
+              <a:rPr/>
+              <a:t>Here are some examples.</a:t>
+            </a:r>
+          </a:p>
+        </p:txBody>
+      </p:sp>
+      <p:graphicFrame>
+        <p:nvGraphicFramePr>
+          <p:cNvPr id="6" name="Content Placeholder 5"/>
+          <p:cNvGraphicFramePr>
+            <a:graphicFrameLocks noGrp="1"/>
+          </p:cNvGraphicFramePr>
+          <p:nvPr>
+            <p:ph idx="1"/>
+          </p:nvPr>
+        </p:nvGraphicFramePr>
+        <p:xfrm>
+          <a:off x="3568700" y="203200"/>
+          <a:ext cx="5105400" cy="4381500"/>
+        </p:xfrm>
+        <a:graphic>
+          <a:graphicData uri="http://schemas.openxmlformats.org/drawingml/2006/table">
+            <a:tbl>
+              <a:tblPr firstRow="1" bandRow="1">
+                <a:tableStyleId>{5C22544A-7EE6-4342-B048-85BDC9FD1C3A}</a:tableStyleId>
+              </a:tblPr>
+              <a:tblGrid>
+                <a:gridCol w="2552700"/>
+                <a:gridCol w="2552700"/>
+              </a:tblGrid>
+              <a:tr h="0">
+                <a:tc>
+                  <a:txBody>
+                    <a:bodyPr/>
+                    <a:lstStyle/>
+                    <a:p>
+                      <a:pPr lvl="0" indent="0" marL="0">
+                        <a:buNone/>
+                      </a:pPr>
+                      <a:r>
+                        <a:rPr/>
+                        <a:t>To</a:t>
+                      </a:r>
+                    </a:p>
+                  </a:txBody>
+                  <a:tcPr/>
+                </a:tc>
+                <a:tc>
+                  <a:txBody>
+                    <a:bodyPr/>
+                    <a:lstStyle/>
+                    <a:p>
+                      <a:pPr lvl="0" indent="0" marL="0">
+                        <a:buNone/>
+                      </a:pPr>
+                      <a:r>
+                        <a:rPr/>
+                        <a:t>Use Scope</a:t>
+                      </a:r>
+                    </a:p>
+                  </a:txBody>
+                  <a:tcPr/>
+                </a:tc>
+              </a:tr>
+              <a:tr h="0">
+                <a:tc>
+                  <a:txBody>
+                    <a:bodyPr/>
+                    <a:lstStyle/>
+                    <a:p>
+                      <a:pPr lvl="0" indent="0" marL="0">
+                        <a:buNone/>
+                      </a:pPr>
+                      <a:r>
+                        <a:rPr/>
+                        <a:t>Restrict to a subscription.</a:t>
+                      </a:r>
+                    </a:p>
+                  </a:txBody>
+                </a:tc>
+                <a:tc>
+                  <a:txBody>
+                    <a:bodyPr/>
+                    <a:lstStyle/>
+                    <a:p>
+                      <a:pPr lvl="0" indent="0" marL="0">
+                        <a:buNone/>
+                      </a:pPr>
+                      <a:r>
+                        <a:rPr>
+                          <a:latin typeface="Courier"/>
+                        </a:rPr>
+                        <a:t>"/subscriptions/{sub-id}"</a:t>
+                      </a:r>
+                    </a:p>
+                  </a:txBody>
+                </a:tc>
+              </a:tr>
+              <a:tr h="0">
+                <a:tc>
+                  <a:txBody>
+                    <a:bodyPr/>
+                    <a:lstStyle/>
+                    <a:p>
+                      <a:pPr lvl="0" indent="0" marL="0">
+                        <a:buNone/>
+                      </a:pPr>
+                      <a:r>
+                        <a:rPr/>
+                        <a:t>Restrict to a specific resource group on a specific subscription.</a:t>
+                      </a:r>
+                    </a:p>
+                  </a:txBody>
+                </a:tc>
+                <a:tc>
+                  <a:txBody>
+                    <a:bodyPr/>
+                    <a:lstStyle/>
+                    <a:p>
+                      <a:pPr lvl="0" indent="0" marL="0">
+                        <a:buNone/>
+                      </a:pPr>
+                      <a:r>
+                        <a:rPr>
+                          <a:latin typeface="Courier"/>
+                        </a:rPr>
+                        <a:t>"/subscriptions/{sub-id}/resourceGroups/{rg-name}"</a:t>
+                      </a:r>
+                    </a:p>
+                  </a:txBody>
+                </a:tc>
+              </a:tr>
+              <a:tr h="0">
+                <a:tc>
+                  <a:txBody>
+                    <a:bodyPr/>
+                    <a:lstStyle/>
+                    <a:p>
+                      <a:pPr lvl="0" indent="0" marL="0">
+                        <a:buNone/>
+                      </a:pPr>
+                      <a:r>
+                        <a:rPr/>
+                        <a:t>Restrict to a specific resource.</a:t>
+                      </a:r>
+                    </a:p>
+                  </a:txBody>
+                </a:tc>
+                <a:tc>
+                  <a:txBody>
+                    <a:bodyPr/>
+                    <a:lstStyle/>
+                    <a:p>
+                      <a:pPr lvl="0" indent="0" marL="0">
+                        <a:buNone/>
+                      </a:pPr>
+                      <a:r>
+                        <a:rPr>
+                          <a:latin typeface="Courier"/>
+                        </a:rPr>
+                        <a:t>"/subscriptions/{sub-id}/resourceGroups/{rg-name}/{resource-name}"</a:t>
+                      </a:r>
+                    </a:p>
+                  </a:txBody>
+                </a:tc>
+              </a:tr>
+              <a:tr h="0">
+                <a:tc>
+                  <a:txBody>
+                    <a:bodyPr/>
+                    <a:lstStyle/>
+                    <a:p>
+                      <a:pPr lvl="0" indent="0" marL="0">
+                        <a:buNone/>
+                      </a:pPr>
+                      <a:r>
+                        <a:rPr/>
+                        <a:t>Make a role available for assignment in two subscriptions.</a:t>
+                      </a:r>
+                    </a:p>
+                  </a:txBody>
+                </a:tc>
+                <a:tc>
+                  <a:txBody>
+                    <a:bodyPr/>
+                    <a:lstStyle/>
+                    <a:p>
+                      <a:pPr lvl="0" indent="0" marL="0">
+                        <a:buNone/>
+                      </a:pPr>
+                      <a:r>
+                        <a:rPr>
+                          <a:latin typeface="Courier"/>
+                        </a:rPr>
+                        <a:t>"/subscriptions/{sub-id}", "/subscriptions/{sub-id}"</a:t>
+                      </a:r>
+                    </a:p>
+                  </a:txBody>
+                </a:tc>
+              </a:tr>
+            </a:tbl>
+          </a:graphicData>
+        </a:graphic>
+      </p:graphicFrame>
+    </p:spTree>
+  </p:cSld>
+</p:sld>
+</file>
+
+<file path=ppt/slides/slide9.xml><?xml version="1.0" encoding="utf-8"?>
+<p:sld xmlns:a="http://schemas.openxmlformats.org/drawingml/2006/main" xmlns:r="http://schemas.openxmlformats.org/officeDocument/2006/relationships" xmlns:p="http://schemas.openxmlformats.org/presentationml/2006/main">
+  <p:cSld>
+    <p:spTree>
+      <p:nvGrpSpPr>
+        <p:cNvPr id="1" name=""/>
+        <p:cNvGrpSpPr/>
+        <p:nvPr/>
+      </p:nvGrpSpPr>
+      <p:grpSpPr>
+        <a:xfrm>
+          <a:off x="0" y="0"/>
+          <a:ext cx="0" cy="0"/>
+          <a:chOff x="0" y="0"/>
+          <a:chExt cx="0" cy="0"/>
+        </a:xfrm>
+      </p:grpSpPr>
+      <p:sp>
+        <p:nvSpPr>
+          <p:cNvPr id="2" name="Title 1"/>
+          <p:cNvSpPr>
+            <a:spLocks noGrp="1"/>
+          </p:cNvSpPr>
+          <p:nvPr>
+            <p:ph type="title"/>
+          </p:nvPr>
+        </p:nvSpPr>
+        <p:spPr/>
+        <p:txBody>
+          <a:bodyPr/>
+          <a:lstStyle/>
+          <a:p>
+            <a:pPr lvl="0" indent="0" marL="0">
+              <a:buNone/>
+            </a:pPr>
+            <a:r>
+              <a:rPr/>
+              <a:t>Create roles</a:t>
+            </a:r>
+          </a:p>
+        </p:txBody>
+      </p:sp>
+      <p:sp>
+        <p:nvSpPr>
+          <p:cNvPr id="3" name="Content Placeholder 2"/>
+          <p:cNvSpPr>
+            <a:spLocks noGrp="1"/>
+          </p:cNvSpPr>
+          <p:nvPr>
+            <p:ph idx="1"/>
+          </p:nvPr>
+        </p:nvSpPr>
+        <p:spPr/>
+        <p:txBody>
+          <a:bodyPr/>
+          <a:lstStyle/>
+          <a:p>
+            <a:pPr lvl="0" indent="0" marL="0">
+              <a:buNone/>
+            </a:pPr>
+            <a:r>
+              <a:rPr/>
+              <a:t>Azure AD comes with built-in roles that are likely to cover 99% of what you’ll ever want to do. It is preferable to use a built-in role if possible. However, you can create custom roles if you find it necessary.</a:t>
+            </a:r>
+          </a:p>
+          <a:p>
+            <a:pPr lvl="0" indent="0" marL="0">
+              <a:buNone/>
+            </a:pPr>
+            <a:r>
+              <a:rPr/>
+              <a:t>Note</a:t>
+            </a:r>
+          </a:p>
+          <a:p>
+            <a:pPr lvl="0" indent="0" marL="0">
+              <a:buNone/>
+            </a:pPr>
+            <a:r>
+              <a:rPr/>
+              <a:t>Custom role creation requires Azure AD Premium P1 or P2 and cannot be done in the free tier.</a:t>
+            </a:r>
+          </a:p>
+          <a:p>
+            <a:pPr lvl="0" indent="0" marL="0">
+              <a:buNone/>
+            </a:pPr>
+            <a:r>
+              <a:rPr/>
+              <a:t>Creating a new role can be done through several mechanisms:</a:t>
+            </a:r>
+          </a:p>
+          <a:p>
+            <a:pPr lvl="0"/>
+            <a:r>
+              <a:rPr b="1"/>
+              <a:t>Azure portal</a:t>
+            </a:r>
+            <a:r>
+              <a:rPr/>
+              <a:t>. You can use the Azure portal to create a custom role - </a:t>
+            </a:r>
+            <a:r>
+              <a:rPr b="1"/>
+              <a:t>Azure Active Directory &gt; Roles and administrators &gt; New custom role</a:t>
+            </a:r>
+            <a:r>
+              <a:rPr/>
+              <a:t>.</a:t>
+            </a:r>
+          </a:p>
+          <a:p>
+            <a:pPr lvl="0"/>
+            <a:r>
+              <a:rPr b="1"/>
+              <a:t>Azure PowerShell</a:t>
+            </a:r>
+            <a:r>
+              <a:rPr/>
+              <a:t>. You can use the </a:t>
+            </a:r>
+            <a:r>
+              <a:rPr>
+                <a:latin typeface="Courier"/>
+              </a:rPr>
+              <a:t>New-AzADMSRoleDefinition</a:t>
+            </a:r>
+            <a:r>
+              <a:rPr/>
+              <a:t> cmdlet to define a new role.</a:t>
+            </a:r>
+          </a:p>
+          <a:p>
+            <a:pPr lvl="0"/>
+            <a:r>
+              <a:rPr b="1"/>
+              <a:t>Azure Graph API</a:t>
+            </a:r>
+            <a:r>
+              <a:rPr/>
+              <a:t>. You can use a REST call to the Graph API to programmatically create a new role.</a:t>
+            </a:r>
+          </a:p>
+          <a:p>
+            <a:pPr lvl="0" indent="0" marL="0">
+              <a:buNone/>
+            </a:pPr>
+            <a:r>
+              <a:rPr/>
+              <a:t>The summary includes a link to the documentation for all three approaches.</a:t>
+            </a:r>
+          </a:p>
+        </p:txBody>
+      </p:sp>
+    </p:spTree>
+  </p:cSld>
 </p:sld>
 </file>
 
@@ -3467,4 +5821,265 @@
   </a:objectDefaults>
   <a:extraClrSchemeLst/>
 </a:theme>
+</file>
+
+<file path=ppt/theme/theme2.xml><?xml version="1.0" encoding="utf-8"?>
+<a:theme xmlns:a="http://schemas.openxmlformats.org/drawingml/2006/main" name="Office Theme">
+  <a:themeElements>
+    <a:clrScheme name="Office">
+      <a:dk1>
+        <a:sysClr val="windowText" lastClr="000000"/>
+      </a:dk1>
+      <a:lt1>
+        <a:sysClr val="window" lastClr="FFFFFF"/>
+      </a:lt1>
+      <a:dk2>
+        <a:srgbClr val="44546A"/>
+      </a:dk2>
+      <a:lt2>
+        <a:srgbClr val="E7E6E6"/>
+      </a:lt2>
+      <a:accent1>
+        <a:srgbClr val="5B9BD5"/>
+      </a:accent1>
+      <a:accent2>
+        <a:srgbClr val="ED7D31"/>
+      </a:accent2>
+      <a:accent3>
+        <a:srgbClr val="A5A5A5"/>
+      </a:accent3>
+      <a:accent4>
+        <a:srgbClr val="FFC000"/>
+      </a:accent4>
+      <a:accent5>
+        <a:srgbClr val="4472C4"/>
+      </a:accent5>
+      <a:accent6>
+        <a:srgbClr val="70AD47"/>
+      </a:accent6>
+      <a:hlink>
+        <a:srgbClr val="0563C1"/>
+      </a:hlink>
+      <a:folHlink>
+        <a:srgbClr val="954F72"/>
+      </a:folHlink>
+    </a:clrScheme>
+    <a:fontScheme name="Office">
+      <a:majorFont>
+        <a:latin typeface="Calibri Light" panose="020F0302020204030204"/>
+        <a:ea typeface=""/>
+        <a:cs typeface=""/>
+        <a:font script="Jpan" typeface="ＭＳ Ｐゴシック"/>
+        <a:font script="Hang" typeface="맑은 고딕"/>
+        <a:font script="Hans" typeface="宋体"/>
+        <a:font script="Hant" typeface="新細明體"/>
+        <a:font script="Arab" typeface="Times New Roman"/>
+        <a:font script="Hebr" typeface="Times New Roman"/>
+        <a:font script="Thai" typeface="Angsana New"/>
+        <a:font script="Ethi" typeface="Nyala"/>
+        <a:font script="Beng" typeface="Vrinda"/>
+        <a:font script="Gujr" typeface="Shruti"/>
+        <a:font script="Khmr" typeface="MoolBoran"/>
+        <a:font script="Knda" typeface="Tunga"/>
+        <a:font script="Guru" typeface="Raavi"/>
+        <a:font script="Cans" typeface="Euphemia"/>
+        <a:font script="Cher" typeface="Plantagenet Cherokee"/>
+        <a:font script="Yiii" typeface="Microsoft Yi Baiti"/>
+        <a:font script="Tibt" typeface="Microsoft Himalaya"/>
+        <a:font script="Thaa" typeface="MV Boli"/>
+        <a:font script="Deva" typeface="Mangal"/>
+        <a:font script="Telu" typeface="Gautami"/>
+        <a:font script="Taml" typeface="Latha"/>
+        <a:font script="Syrc" typeface="Estrangelo Edessa"/>
+        <a:font script="Orya" typeface="Kalinga"/>
+        <a:font script="Mlym" typeface="Kartika"/>
+        <a:font script="Laoo" typeface="DokChampa"/>
+        <a:font script="Sinh" typeface="Iskoola Pota"/>
+        <a:font script="Mong" typeface="Mongolian Baiti"/>
+        <a:font script="Viet" typeface="Times New Roman"/>
+        <a:font script="Uigh" typeface="Microsoft Uighur"/>
+        <a:font script="Geor" typeface="Sylfaen"/>
+      </a:majorFont>
+      <a:minorFont>
+        <a:latin typeface="Calibri" panose="020F0502020204030204"/>
+        <a:ea typeface=""/>
+        <a:cs typeface=""/>
+        <a:font script="Jpan" typeface="ＭＳ Ｐゴシック"/>
+        <a:font script="Hang" typeface="맑은 고딕"/>
+        <a:font script="Hans" typeface="宋体"/>
+        <a:font script="Hant" typeface="新細明體"/>
+        <a:font script="Arab" typeface="Arial"/>
+        <a:font script="Hebr" typeface="Arial"/>
+        <a:font script="Thai" typeface="Cordia New"/>
+        <a:font script="Ethi" typeface="Nyala"/>
+        <a:font script="Beng" typeface="Vrinda"/>
+        <a:font script="Gujr" typeface="Shruti"/>
+        <a:font script="Khmr" typeface="DaunPenh"/>
+        <a:font script="Knda" typeface="Tunga"/>
+        <a:font script="Guru" typeface="Raavi"/>
+        <a:font script="Cans" typeface="Euphemia"/>
+        <a:font script="Cher" typeface="Plantagenet Cherokee"/>
+        <a:font script="Yiii" typeface="Microsoft Yi Baiti"/>
+        <a:font script="Tibt" typeface="Microsoft Himalaya"/>
+        <a:font script="Thaa" typeface="MV Boli"/>
+        <a:font script="Deva" typeface="Mangal"/>
+        <a:font script="Telu" typeface="Gautami"/>
+        <a:font script="Taml" typeface="Latha"/>
+        <a:font script="Syrc" typeface="Estrangelo Edessa"/>
+        <a:font script="Orya" typeface="Kalinga"/>
+        <a:font script="Mlym" typeface="Kartika"/>
+        <a:font script="Laoo" typeface="DokChampa"/>
+        <a:font script="Sinh" typeface="Iskoola Pota"/>
+        <a:font script="Mong" typeface="Mongolian Baiti"/>
+        <a:font script="Viet" typeface="Arial"/>
+        <a:font script="Uigh" typeface="Microsoft Uighur"/>
+        <a:font script="Geor" typeface="Sylfaen"/>
+      </a:minorFont>
+    </a:fontScheme>
+    <a:fmtScheme name="Office">
+      <a:fillStyleLst>
+        <a:solidFill>
+          <a:schemeClr val="phClr"/>
+        </a:solidFill>
+        <a:gradFill rotWithShape="1">
+          <a:gsLst>
+            <a:gs pos="0">
+              <a:schemeClr val="phClr">
+                <a:lumMod val="110000"/>
+                <a:satMod val="105000"/>
+                <a:tint val="67000"/>
+              </a:schemeClr>
+            </a:gs>
+            <a:gs pos="50000">
+              <a:schemeClr val="phClr">
+                <a:lumMod val="105000"/>
+                <a:satMod val="103000"/>
+                <a:tint val="73000"/>
+              </a:schemeClr>
+            </a:gs>
+            <a:gs pos="100000">
+              <a:schemeClr val="phClr">
+                <a:lumMod val="105000"/>
+                <a:satMod val="109000"/>
+                <a:tint val="81000"/>
+              </a:schemeClr>
+            </a:gs>
+          </a:gsLst>
+          <a:lin ang="5400000" scaled="0"/>
+        </a:gradFill>
+        <a:gradFill rotWithShape="1">
+          <a:gsLst>
+            <a:gs pos="0">
+              <a:schemeClr val="phClr">
+                <a:satMod val="103000"/>
+                <a:lumMod val="102000"/>
+                <a:tint val="94000"/>
+              </a:schemeClr>
+            </a:gs>
+            <a:gs pos="50000">
+              <a:schemeClr val="phClr">
+                <a:satMod val="110000"/>
+                <a:lumMod val="100000"/>
+                <a:shade val="100000"/>
+              </a:schemeClr>
+            </a:gs>
+            <a:gs pos="100000">
+              <a:schemeClr val="phClr">
+                <a:lumMod val="99000"/>
+                <a:satMod val="120000"/>
+                <a:shade val="78000"/>
+              </a:schemeClr>
+            </a:gs>
+          </a:gsLst>
+          <a:lin ang="5400000" scaled="0"/>
+        </a:gradFill>
+      </a:fillStyleLst>
+      <a:lnStyleLst>
+        <a:ln w="6350" cap="flat" cmpd="sng" algn="ctr">
+          <a:solidFill>
+            <a:schemeClr val="phClr"/>
+          </a:solidFill>
+          <a:prstDash val="solid"/>
+          <a:miter lim="800000"/>
+        </a:ln>
+        <a:ln w="12700" cap="flat" cmpd="sng" algn="ctr">
+          <a:solidFill>
+            <a:schemeClr val="phClr"/>
+          </a:solidFill>
+          <a:prstDash val="solid"/>
+          <a:miter lim="800000"/>
+        </a:ln>
+        <a:ln w="19050" cap="flat" cmpd="sng" algn="ctr">
+          <a:solidFill>
+            <a:schemeClr val="phClr"/>
+          </a:solidFill>
+          <a:prstDash val="solid"/>
+          <a:miter lim="800000"/>
+        </a:ln>
+      </a:lnStyleLst>
+      <a:effectStyleLst>
+        <a:effectStyle>
+          <a:effectLst/>
+        </a:effectStyle>
+        <a:effectStyle>
+          <a:effectLst/>
+        </a:effectStyle>
+        <a:effectStyle>
+          <a:effectLst>
+            <a:outerShdw blurRad="57150" dist="19050" dir="5400000" algn="ctr" rotWithShape="0">
+              <a:srgbClr val="000000">
+                <a:alpha val="63000"/>
+              </a:srgbClr>
+            </a:outerShdw>
+          </a:effectLst>
+        </a:effectStyle>
+      </a:effectStyleLst>
+      <a:bgFillStyleLst>
+        <a:solidFill>
+          <a:schemeClr val="phClr"/>
+        </a:solidFill>
+        <a:solidFill>
+          <a:schemeClr val="phClr">
+            <a:tint val="95000"/>
+            <a:satMod val="170000"/>
+          </a:schemeClr>
+        </a:solidFill>
+        <a:gradFill rotWithShape="1">
+          <a:gsLst>
+            <a:gs pos="0">
+              <a:schemeClr val="phClr">
+                <a:tint val="93000"/>
+                <a:satMod val="150000"/>
+                <a:shade val="98000"/>
+                <a:lumMod val="102000"/>
+              </a:schemeClr>
+            </a:gs>
+            <a:gs pos="50000">
+              <a:schemeClr val="phClr">
+                <a:tint val="98000"/>
+                <a:satMod val="130000"/>
+                <a:shade val="90000"/>
+                <a:lumMod val="103000"/>
+              </a:schemeClr>
+            </a:gs>
+            <a:gs pos="100000">
+              <a:schemeClr val="phClr">
+                <a:shade val="63000"/>
+                <a:satMod val="120000"/>
+              </a:schemeClr>
+            </a:gs>
+          </a:gsLst>
+          <a:lin ang="5400000" scaled="0"/>
+        </a:gradFill>
+      </a:bgFillStyleLst>
+    </a:fmtScheme>
+  </a:themeElements>
+  <a:objectDefaults/>
+  <a:extraClrSchemeLst/>
+  <a:extLst>
+    <a:ext uri="{05A4C25C-085E-4340-85A3-A5531E510DB2}">
+      <thm15:themeFamily xmlns:thm15="http://schemas.microsoft.com/office/thememl/2012/main" name="Office Theme" id="{62F939B6-93AF-4DB8-9C6B-D6C7DFDC589F}" vid="{4A3C46E8-61CC-4603-A589-7422A47A8E4A}"/>
+    </a:ext>
+  </a:extLst>
+</a:theme>
 </file>